--- a/ergonomics/wireframes/SANTAFALL_wireframes.pptx
+++ b/ergonomics/wireframes/SANTAFALL_wireframes.pptx
@@ -129,6 +129,7 @@
     <p1510:client id="{380F0084-E2FB-453F-B0F6-DFB2D82FDE86}" v="210" dt="2023-11-03T11:28:43.745"/>
     <p1510:client id="{4C059668-735F-4A61-934E-8B97FCD96F0A}" v="464" dt="2023-11-04T12:01:20.102"/>
     <p1510:client id="{4C3516B8-0E84-4095-9F32-EAA7FC98F01B}" v="180" dt="2023-11-03T11:51:47.465"/>
+    <p1510:client id="{63F42806-3DCE-4AD5-980C-6668AFAEA03F}" v="839" dt="2023-11-05T16:02:52.780"/>
     <p1510:client id="{67F7B85F-43F5-48E0-A39E-D6520340AF8F}" v="15" dt="2023-11-03T16:23:34.529"/>
     <p1510:client id="{81B78733-4CD4-4E3F-941C-B14CBD33D108}" v="472" dt="2023-11-04T04:04:18.494"/>
     <p1510:client id="{8BF4ABB7-27F8-4E01-918A-DBA65354D29A}" v="831" dt="2023-11-03T16:18:30.157"/>
@@ -136,6 +137,7 @@
     <p1510:client id="{A9F0FA41-77D7-4701-BD7A-2AA37130DA0C}" v="100" dt="2023-11-05T08:54:09.502"/>
     <p1510:client id="{CA7C39FB-9BC5-493E-A056-E2667310495F}" v="38" dt="2023-11-03T11:22:55.259"/>
     <p1510:client id="{E126AE42-4604-4B08-87F1-DD395D37F445}" v="633" dt="2023-11-04T10:30:26.911"/>
+    <p1510:client id="{EF6FF7C3-C628-4A7D-AD6B-61595AEC0300}" v="117" dt="2023-11-05T16:29:49.195"/>
   </p1510:revLst>
 </p1510:revInfo>
 </file>
@@ -200,7 +202,7 @@
       <inkml:brushProperty name="color" value="#E71224"/>
     </inkml:brush>
   </inkml:definitions>
-  <inkml:trace contextRef="#ctx0" brushRef="#br0">8580 9114 16383 0 0,'-1'0'0'0'0,"-4"0"0"0"0,-3 0 0 0 0,-3 0 0 0 0,-5 0 0 0 0,-5 0 0 0 0,-7 0 0 0 0,-4 0 0 0 0,-3 0 0 0 0,-1 0 0 0 0,-1 0 0 0 0,-1 0 0 0 0,0 0 0 0 0,4 0 0 0 0,3 0 0 0 0,2 0 0 0 0,3 0 0 0 0,3 0 0 0 0,0 0 0 0 0,0 0 0 0 0,0 0 0 0 0,-2 0 0 0 0,0 0 0 0 0,-1 0 0 0 0,-4 0 0 0 0,-2 0 0 0 0,-6 0 0 0 0,-4 0 0 0 0,-3 0 0 0 0,-3 0 0 0 0,0 0 0 0 0,4 0 0 0 0,7 0 0 0 0,7 0 0 0 0,6 0 0 0 0,6 0 0 0 0,4 0 0 0 0,4 0 0 0 0,3 0 0 0 0,1 0 0 0 0,2 0 0 0 0,-2 0 0 0 0,0 0 0 0 0,0 0 0 0 0,-1 0 0 0 0,-1 0 0 0 0,-1 0 0 0 0,0 0 0 0 0,-1 0 0 0 0,-2 0 0 0 0,-2 0 0 0 0,1 0 0 0 0,-4 0 0 0 0,0 0 0 0 0,2 0 0 0 0,2 0 0 0 0,2 0 0 0 0,1 0 0 0 0,0 0 0 0 0,-1 0 0 0 0,0 0 0 0 0,1 0 0 0 0,0 0 0 0 0,0 0 0 0 0,-1 0 0 0 0,2 0 0 0 0,-1 0 0 0 0,3 0 0 0 0</inkml:trace>
+  <inkml:trace contextRef="#ctx0" brushRef="#br0">9537 10278 16383 0 0,'-2'0'0'0'0,"-7"0"0"0"0,-4 0 0 0 0,-6 0 0 0 0,-8 0 0 0 0,-9 0 0 0 0,-12 0 0 0 0,-7 0 0 0 0,-4 0 0 0 0,-3 0 0 0 0,-1 0 0 0 0,-2 0 0 0 0,0 0 0 0 0,7 0 0 0 0,5 0 0 0 0,4 0 0 0 0,4 0 0 0 0,6 0 0 0 0,0 0 0 0 0,0 0 0 0 0,-1 0 0 0 0,-2 0 0 0 0,-1 0 0 0 0,-1 0 0 0 0,-8 0 0 0 0,-2 0 0 0 0,-11 0 0 0 0,-7 0 0 0 0,-5 0 0 0 0,-5 0 0 0 0,1 0 0 0 0,5 0 0 0 0,13 0 0 0 0,12 0 0 0 0,10 0 0 0 0,10 0 0 0 0,7 0 0 0 0,7 0 0 0 0,5 0 0 0 0,2 0 0 0 0,3 0 0 0 0,-3 0 0 0 0,0 0 0 0 0,0 0 0 0 0,-2 0 0 0 0,-2 0 0 0 0,-1 0 0 0 0,-1 0 0 0 0,-1 0 0 0 0,-3 0 0 0 0,-4 0 0 0 0,2 0 0 0 0,-7 0 0 0 0,0 0 0 0 0,3 0 0 0 0,4 0 0 0 0,3 0 0 0 0,2 0 0 0 0,0 0 0 0 0,-2 0 0 0 0,0 0 0 0 0,2 0 0 0 0,0 0 0 0 0,0 0 0 0 0,-2 0 0 0 0,4 0 0 0 0,-2 0 0 0 0,5 0 0 0 0</inkml:trace>
 </inkml:ink>
 </file>
 
@@ -360,7 +362,7 @@
       <inkml:brushProperty name="color" value="#E71224"/>
     </inkml:brush>
   </inkml:definitions>
-  <inkml:trace contextRef="#ctx0" brushRef="#br0">27437 4305 16383 0 0,'7'0'0'0'0,"9"0"0"0"0,14 0 0 0 0,10 0 0 0 0,4 0 0 0 0,2 0 0 0 0,-1 0 0 0 0,-1 0 0 0 0,-1 0 0 0 0,-2 0 0 0 0,0 0 0 0 0,-8 0 0 0 0,4 0 0 0 0,9 0 0 0 0,10 0 0 0 0,3 0 0 0 0,10 0 0 0 0,1 0 0 0 0,-5 0 0 0 0,-6 0 0 0 0,-8 0 0 0 0,-5 0 0 0 0,-3 0 0 0 0,-4 0 0 0 0,0 0 0 0 0,-1 0 0 0 0,0 0 0 0 0,0 0 0 0 0,1 0 0 0 0,-1 0 0 0 0,1 0 0 0 0,1 0 0 0 0,-1 0 0 0 0,-7 0 0 0 0,-1 0 0 0 0,0 0 0 0 0,-5 0 0 0 0</inkml:trace>
+  <inkml:trace contextRef="#ctx0" brushRef="#br0">27437 9021 16383 0 0,'3'0'0'0'0,"5"0"0"0"0,7 0 0 0 0,4 0 0 0 0,3 0 0 0 0,0 0 0 0 0,0 0 0 0 0,-1 0 0 0 0,0 0 0 0 0,-1 0 0 0 0,0 0 0 0 0,-4 0 0 0 0,2 0 0 0 0,5 0 0 0 0,4 0 0 0 0,2 0 0 0 0,4 0 0 0 0,2 0 0 0 0,-4 0 0 0 0,-2 0 0 0 0,-4 0 0 0 0,-3 0 0 0 0,-1 0 0 0 0,-2 0 0 0 0,0 0 0 0 0,0 0 0 0 0,-1 0 0 0 0,1 0 0 0 0,0 0 0 0 0,-1 0 0 0 0,1 0 0 0 0,1 0 0 0 0,-1 0 0 0 0,-4 0 0 0 0,0 0 0 0 0,0 0 0 0 0,-2 0 0 0 0</inkml:trace>
 </inkml:ink>
 </file>
 
@@ -416,6 +418,7 @@
           <inkml:channelProperty channel="OE" name="resolution" value="1000" units="1/deg"/>
         </inkml:channelProperties>
       </inkml:inkSource>
+      <inkml:timestamp xml:id="ts0" timeString="2023-11-05T15:19:54.305"/>
     </inkml:context>
     <inkml:brush xml:id="br0">
       <inkml:brushProperty name="width" value="0.1" units="cm"/>
@@ -423,7 +426,7 @@
       <inkml:brushProperty name="color" value="#E71224"/>
     </inkml:brush>
   </inkml:definitions>
-  <inkml:trace contextRef="#ctx0" brushRef="#br0">10623 13057 16383 0 0,'6'6'0'0'0,"4"4"0"0"0,3 4 0 0 0,3 2 0 0 0,1 1 0 0 0,1 0 0 0 0,0 1 0 0 0,-1 0 0 0 0,3 2 0 0 0,4 3 0 0 0,8 10 0 0 0,8 7 0 0 0,6 5 0 0 0,11 12 0 0 0,8 8 0 0 0,3 4 0 0 0,-3-5 0 0 0,-8-7 0 0 0,-11-10 0 0 0,-7-8 0 0 0,-7-8 0 0 0,-7-6 0 0 0,-2-1 0 0 0,1 0 0 0 0,2 2 0 0 0,-1-1 0 0 0,2 1 0 0 0,-2-1 0 0 0,1 1 0 0 0,-1-1 0 0 0,0 1 0 0 0,2 1 0 0 0,2 2 0 0 0,2 2 0 0 0,1 0 0 0 0,6 8 0 0 0,6 4 0 0 0,3 4 0 0 0,-1 0 0 0 0,-2-3 0 0 0,0-1 0 0 0,0 2 0 0 0,2 1 0 0 0,-1-2 0 0 0,5 6 0 0 0,-3-3 0 0 0,-6-6 0 0 0,-8-8 0 0 0,-7-6 0 0 0,-1-3 0 0 0,-3-2 0 0 0,-2-2 0 0 0,9 10 0 0 0,4 2 0 0 0,-3-1 0 0 0,-2-4 0 0 0,-4-2 0 0 0,-3-4 0 0 0,4 3 0 0 0,3 4 0 0 0,4 5 0 0 0,4 3 0 0 0,3 3 0 0 0,-1-2 0 0 0,-5-4 0 0 0,-6-5 0 0 0,-3-5 0 0 0,-4-3 0 0 0,-3-2 0 0 0,2 1 0 0 0,7 6 0 0 0,6 7 0 0 0,1 1 0 0 0,6 7 0 0 0,0-2 0 0 0,-2-1 0 0 0,-4-4 0 0 0,-5-5 0 0 0,-5-4 0 0 0,-2-4 0 0 0,-3-2 0 0 0,1 1 0 0 0,3 4 0 0 0,1 0 0 0 0,-1-1 0 0 0,2 1 0 0 0,-1 0 0 0 0,-1-1 0 0 0,3 4 0 0 0,2 0 0 0 0,0 2 0 0 0,0-2 0 0 0,-3-2 0 0 0,1 1 0 0 0,-2-2 0 0 0,-4-4 0 0 0</inkml:trace>
+  <inkml:trace contextRef="#ctx0" brushRef="#br0">10623 13057 16383 0 0,'4'3'0'0'0,"3"3"0"0"0,2 2 0 0 0,2 1 0 0 0,1 1 0 0 0,1 0 0 0 0,-1 0 0 0 0,0 0 0 0 0,2 2 0 0 0,3 1 0 0 0,5 6 0 0 0,6 3 0 0 0,4 4 0 0 0,8 7 0 0 0,5 4 0 0 0,2 2 0 0 0,-1-3 0 0 0,-7-3 0 0 0,-7-6 0 0 0,-4-5 0 0 0,-6-4 0 0 0,-5-4 0 0 0,-1 0 0 0 0,1-1 0 0 0,1 2 0 0 0,0-1 0 0 0,0 1 0 0 0,0 0 0 0 0,0-1 0 0 0,-1 1 0 0 0,1-1 0 0 0,1 2 0 0 0,1 0 0 0 0,1 2 0 0 0,2 0 0 0 0,3 4 0 0 0,5 3 0 0 0,2 1 0 0 0,-1 1 0 0 0,-2-2 0 0 0,1 0 0 0 0,0 0 0 0 0,1 2 0 0 0,-1-2 0 0 0,4 3 0 0 0,-2-1 0 0 0,-5-4 0 0 0,-5-4 0 0 0,-5-3 0 0 0,0-3 0 0 0,-3 0 0 0 0,-1-2 0 0 0,6 6 0 0 0,3 2 0 0 0,-2-2 0 0 0,-1-1 0 0 0,-4-2 0 0 0,-1-2 0 0 0,2 2 0 0 0,3 2 0 0 0,2 3 0 0 0,3 1 0 0 0,2 2 0 0 0,0-1 0 0 0,-4-2 0 0 0,-4-3 0 0 0,-3-3 0 0 0,-2-1 0 0 0,-2-2 0 0 0,1 1 0 0 0,6 3 0 0 0,3 4 0 0 0,1 1 0 0 0,4 4 0 0 0,0-1 0 0 0,-1-1 0 0 0,-3-2 0 0 0,-4-3 0 0 0,-3-3 0 0 0,-1-1 0 0 0,-2-2 0 0 0,0 1 0 0 0,2 2 0 0 0,1 0 0 0 0,0 0 0 0 0,0 0 0 0 0,0 0 0 0 0,0-1 0 0 0,1 3 0 0 0,2 0 0 0 0,0 1 0 0 0,0-1 0 0 0,-3-1 0 0 0,2 0 0 0 0,-2-1 0 0 0,-3-2 0 0 0</inkml:trace>
 </inkml:ink>
 </file>
 
@@ -487,7 +490,7 @@
       <inkml:brushProperty name="color" value="#E71224"/>
     </inkml:brush>
   </inkml:definitions>
-  <inkml:trace contextRef="#ctx0" brushRef="#br0">19764 9702 16383 0 0,'14'0'0'0'0,"10"0"0"0"0,15 0 0 0 0,15 0 0 0 0,10 0 0 0 0,16 0 0 0 0,20 0 0 0 0,13 0 0 0 0,21 0 0 0 0,35 0 0 0 0,21 0 0 0 0,26 0 0 0 0,10 0 0 0 0,12 0 0 0 0,-7 0 0 0 0,-15 0 0 0 0,-19 0 0 0 0,18 0 0 0 0,5 0 0 0 0,-7 0 0 0 0,-21 0 0 0 0,-15 0 0 0 0,-18 0 0 0 0,-23 0 0 0 0,-21 0 0 0 0,-17 0 0 0 0,-18 0 0 0 0,-10 0 0 0 0,-2 0 0 0 0,-1 0 0 0 0,-4 0 0 0 0,0 0 0 0 0,-4 0 0 0 0,2 0 0 0 0,3 0 0 0 0,-2 0 0 0 0,2 0 0 0 0,16 0 0 0 0,2 0 0 0 0,27 0 0 0 0,14 0 0 0 0,34 0 0 0 0,17 0 0 0 0,32 0 0 0 0,1 0 0 0 0,-14 0 0 0 0,13 0 0 0 0,-8 0 0 0 0,-5 0 0 0 0,-28 0 0 0 0,-29 0 0 0 0,-17 0 0 0 0,-9 0 0 0 0,-10 0 0 0 0,18 0 0 0 0,16 0 0 0 0,-1 0 0 0 0,16 0 0 0 0,10 0 0 0 0,-9 0 0 0 0,-9 0 0 0 0,10 0 0 0 0,-13 0 0 0 0,-16 0 0 0 0,-16 0 0 0 0,-7 0 0 0 0,-5 0 0 0 0,-6 0 0 0 0,15 0 0 0 0,4 0 0 0 0,23 0 0 0 0,11 0 0 0 0,20 0 0 0 0,-3 0 0 0 0,-2 0 0 0 0,-14 0 0 0 0,-11 0 0 0 0,-21 0 0 0 0,-3 0 0 0 0,-13 0 0 0 0,-8 0 0 0 0,14 0 0 0 0,16 0 0 0 0,16 0 0 0 0,6 0 0 0 0,-15 0 0 0 0,6 0 0 0 0,-6 0 0 0 0,-11 0 0 0 0,10 0 0 0 0,-3 0 0 0 0,-9 0 0 0 0,-2 0 0 0 0,-6 0 0 0 0,-8 0 0 0 0,-13 0 0 0 0,0 0 0 0 0,0 0 0 0 0,-7 0 0 0 0,-11 0 0 0 0,-8 0 0 0 0,-7 0 0 0 0,-5 0 0 0 0,-3 0 0 0 0,-2 0 0 0 0,-7 0 0 0 0</inkml:trace>
+  <inkml:trace contextRef="#ctx0" brushRef="#br0">19764 9888 16383 0 0,'13'0'0'0'0,"10"0"0"0"0,14 0 0 0 0,14 0 0 0 0,9 0 0 0 0,16 0 0 0 0,18 0 0 0 0,13 0 0 0 0,20 0 0 0 0,32 0 0 0 0,21 0 0 0 0,24 0 0 0 0,9 0 0 0 0,12 0 0 0 0,-6 0 0 0 0,-15 0 0 0 0,-18 0 0 0 0,17 0 0 0 0,5 0 0 0 0,-7 0 0 0 0,-20 0 0 0 0,-13 0 0 0 0,-18 0 0 0 0,-22 0 0 0 0,-19 0 0 0 0,-16 0 0 0 0,-18 0 0 0 0,-9 0 0 0 0,-1 0 0 0 0,-2 0 0 0 0,-4 0 0 0 0,1 0 0 0 0,-4 0 0 0 0,1 0 0 0 0,4 0 0 0 0,-3 0 0 0 0,3 0 0 0 0,14 0 0 0 0,3 0 0 0 0,25 0 0 0 0,13 0 0 0 0,32 0 0 0 0,17 0 0 0 0,29 0 0 0 0,2 0 0 0 0,-14 0 0 0 0,13 0 0 0 0,-8 0 0 0 0,-5 0 0 0 0,-26 0 0 0 0,-27 0 0 0 0,-17 0 0 0 0,-8 0 0 0 0,-9 0 0 0 0,16 0 0 0 0,16 0 0 0 0,-2 0 0 0 0,16 0 0 0 0,9 0 0 0 0,-8 0 0 0 0,-9 0 0 0 0,10 0 0 0 0,-13 0 0 0 0,-14 0 0 0 0,-16 0 0 0 0,-7 0 0 0 0,-4 0 0 0 0,-6 0 0 0 0,14 0 0 0 0,5 0 0 0 0,20 0 0 0 0,12 0 0 0 0,18 0 0 0 0,-3 0 0 0 0,-2 0 0 0 0,-12 0 0 0 0,-12 0 0 0 0,-19 0 0 0 0,-3 0 0 0 0,-12 0 0 0 0,-8 0 0 0 0,14 0 0 0 0,14 0 0 0 0,16 0 0 0 0,6 0 0 0 0,-15 0 0 0 0,6 0 0 0 0,-6 0 0 0 0,-10 0 0 0 0,9 0 0 0 0,-3 0 0 0 0,-8 0 0 0 0,-2 0 0 0 0,-5 0 0 0 0,-9 0 0 0 0,-11 0 0 0 0,0 0 0 0 0,-1 0 0 0 0,-6 0 0 0 0,-10 0 0 0 0,-9 0 0 0 0,-5 0 0 0 0,-6 0 0 0 0,-2 0 0 0 0,-2 0 0 0 0,-7 0 0 0 0</inkml:trace>
 </inkml:ink>
 </file>
 
@@ -551,7 +554,7 @@
       <inkml:brushProperty name="color" value="#E71224"/>
     </inkml:brush>
   </inkml:definitions>
-  <inkml:trace contextRef="#ctx0" brushRef="#br0">27728 13592 16383 0 0,'7'0'0'0'0,"9"0"0"0"0,8 0 0 0 0,7 0 0 0 0,4 0 0 0 0,4 0 0 0 0,1 0 0 0 0,1 0 0 0 0,0 0 0 0 0,0 0 0 0 0,6 0 0 0 0,2 0 0 0 0,-1 0 0 0 0,-1 0 0 0 0,-3 0 0 0 0,-2 0 0 0 0,-1 0 0 0 0,-1 0 0 0 0,-1 0 0 0 0,-7 0 0 0 0,-1 0 0 0 0,-1 0 0 0 0,2 0 0 0 0,2 0 0 0 0,-4 0 0 0 0,-8 0 0 0 0</inkml:trace>
+  <inkml:trace contextRef="#ctx0" brushRef="#br0">27728 13592 16383 0 0,'9'0'0'0'0,"11"0"0"0"0,11 0 0 0 0,8 0 0 0 0,6 0 0 0 0,4 0 0 0 0,2 0 0 0 0,1 0 0 0 0,1 0 0 0 0,-1 0 0 0 0,7 0 0 0 0,4 0 0 0 0,-2 0 0 0 0,-1 0 0 0 0,-4 0 0 0 0,-3 0 0 0 0,-1 0 0 0 0,-1 0 0 0 0,-1 0 0 0 0,-10 0 0 0 0,0 0 0 0 0,-2 0 0 0 0,3 0 0 0 0,2 0 0 0 0,-5 0 0 0 0,-10 0 0 0 0</inkml:trace>
 </inkml:ink>
 </file>
 
@@ -583,7 +586,7 @@
       <inkml:brushProperty name="color" value="#E71224"/>
     </inkml:brush>
   </inkml:definitions>
-  <inkml:trace contextRef="#ctx0" brushRef="#br0">19285 10772 16383 0 0,'1'1'0'0'0,"6"-1"0"0"0,10 2 0 0 0,1-1 0 0 0,5 1 0 0 0,19 2 0 0 0,22 2 0 0 0,27 1 0 0 0,25 4 0 0 0,26 1 0 0 0,3 1 0 0 0,3 0 0 0 0,3 0 0 0 0,-4 0 0 0 0,-14-2 0 0 0,-22-1 0 0 0,-24-2 0 0 0,-20-2 0 0 0,-14-2 0 0 0,-11 0 0 0 0,2 0 0 0 0,14 1 0 0 0,23 2 0 0 0,18 2 0 0 0,20 1 0 0 0,22 2 0 0 0,20 2 0 0 0,10 1 0 0 0,2 0 0 0 0,-14-1 0 0 0,-22-2 0 0 0,-20-1 0 0 0,-10-2 0 0 0,4 1 0 0 0,9 0 0 0 0,19 2 0 0 0,19 2 0 0 0,29 3 0 0 0,23 1 0 0 0,22 2 0 0 0,18 2 0 0 0,6 0 0 0 0,-20-1 0 0 0,-23-2 0 0 0,-2-1 0 0 0,17 2 0 0 0,-10-1 0 0 0,-3 0 0 0 0,30 2 0 0 0,-8 0 0 0 0,5 0 0 0 0,-14-1 0 0 0,-5 0 0 0 0,-27-3 0 0 0,-14-1 0 0 0,-24-2 0 0 0,-12-2 0 0 0,-24-1 0 0 0,-6-1 0 0 0,-9 0 0 0 0,10 0 0 0 0,0 0 0 0 0,12 1 0 0 0,-1 1 0 0 0,-9-2 0 0 0,2 1 0 0 0,7 0 0 0 0,-4 0 0 0 0,17 1 0 0 0,11 1 0 0 0,-7 0 0 0 0,27 2 0 0 0,16 2 0 0 0,4-1 0 0 0,36 4 0 0 0,20 2 0 0 0,1 0 0 0 0,-15-2 0 0 0,18 2 0 0 0,2 0 0 0 0,-23-1 0 0 0,-24-3 0 0 0,-28-3 0 0 0,-4 1 0 0 0,-11-2 0 0 0,-7 0 0 0 0,-10-1 0 0 0,-3-1 0 0 0,-13 0 0 0 0,19 1 0 0 0,3 0 0 0 0,-17-1 0 0 0,-18-2 0 0 0,-31-2 0 0 0,-36-3 0 0 0,-33-4 0 0 0,-21-1 0 0 0</inkml:trace>
+  <inkml:trace contextRef="#ctx0" brushRef="#br0">19285 10772 16383 0 0,'1'1'0'0'0,"5"-1"0"0"0,10 2 0 0 0,0-1 0 0 0,5 1 0 0 0,17 1 0 0 0,21 3 0 0 0,23 1 0 0 0,24 3 0 0 0,23 1 0 0 0,3 1 0 0 0,3 1 0 0 0,2-1 0 0 0,-3 0 0 0 0,-13-2 0 0 0,-20 0 0 0 0,-21-3 0 0 0,-19-1 0 0 0,-13-2 0 0 0,-10-1 0 0 0,2 1 0 0 0,13 1 0 0 0,21 1 0 0 0,16 3 0 0 0,18 0 0 0 0,20 2 0 0 0,19 3 0 0 0,9 0 0 0 0,1 0 0 0 0,-12-1 0 0 0,-20-2 0 0 0,-19-1 0 0 0,-9-1 0 0 0,4 0 0 0 0,9 1 0 0 0,16 1 0 0 0,18 2 0 0 0,26 3 0 0 0,21 1 0 0 0,21 2 0 0 0,15 1 0 0 0,6 1 0 0 0,-18-1 0 0 0,-21-2 0 0 0,-2-2 0 0 0,16 3 0 0 0,-10-1 0 0 0,-2 0 0 0 0,27 2 0 0 0,-8-1 0 0 0,6 1 0 0 0,-14-1 0 0 0,-4-1 0 0 0,-24-2 0 0 0,-14-1 0 0 0,-21-1 0 0 0,-11-3 0 0 0,-22-1 0 0 0,-5 0 0 0 0,-9-1 0 0 0,10 0 0 0 0,-1 1 0 0 0,12 0 0 0 0,-2 1 0 0 0,-8-1 0 0 0,3 0 0 0 0,5 0 0 0 0,-3 1 0 0 0,15 0 0 0 0,11 1 0 0 0,-7 0 0 0 0,24 2 0 0 0,15 2 0 0 0,4-1 0 0 0,33 4 0 0 0,17 2 0 0 0,2-1 0 0 0,-14-1 0 0 0,16 2 0 0 0,3 0 0 0 0,-22-2 0 0 0,-22-2 0 0 0,-25-3 0 0 0,-3 1 0 0 0,-11-2 0 0 0,-6 0 0 0 0,-9 0 0 0 0,-3-2 0 0 0,-12 0 0 0 0,18 1 0 0 0,2 1 0 0 0,-15-2 0 0 0,-17-2 0 0 0,-28-1 0 0 0,-32-4 0 0 0,-31-3 0 0 0,-19-1 0 0 0</inkml:trace>
 </inkml:ink>
 </file>
 
@@ -647,7 +650,7 @@
       <inkml:brushProperty name="color" value="#E71224"/>
     </inkml:brush>
   </inkml:definitions>
-  <inkml:trace contextRef="#ctx0" brushRef="#br0">19738 9702 16383 0 0,'7'0'0'0'0,"1"0"0"0"0,8 0 0 0 0,13 0 0 0 0,22 0 0 0 0,16 0 0 0 0,30 0 0 0 0,25 0 0 0 0,25 0 0 0 0,61 0 0 0 0,43 0 0 0 0,24 0 0 0 0,13 0 0 0 0,-2 0 0 0 0,10 0 0 0 0,8 0 0 0 0,6 0 0 0 0,-23 0 0 0 0,-20 0 0 0 0,-2 0 0 0 0,7 0 0 0 0,11 0 0 0 0,-15 0 0 0 0,-8 0 0 0 0,7 0 0 0 0,-23 0 0 0 0,-13 0 0 0 0,2 0 0 0 0,-19 0 0 0 0,-6 0 0 0 0,-25 0 0 0 0,-16 0 0 0 0,-4 0 0 0 0,-16 0 0 0 0,-6 0 0 0 0,-7 0 0 0 0,-14 0 0 0 0,8 0 0 0 0,1 0 0 0 0,25 0 0 0 0,14 0 0 0 0,25 0 0 0 0,0 0 0 0 0,-7 0 0 0 0,-1 0 0 0 0,-12 0 0 0 0,-9 0 0 0 0,22 0 0 0 0,5 0 0 0 0,4 0 0 0 0,49 0 0 0 0,17 0 0 0 0,-4 0 0 0 0,-17 0 0 0 0,29 0 0 0 0,4 0 0 0 0,-26 0 0 0 0,-27 0 0 0 0,9 0 0 0 0,-2 0 0 0 0,-25 0 0 0 0,-20 0 0 0 0,-9 0 0 0 0,-26 0 0 0 0,-25 0 0 0 0,-26 0 0 0 0,-23 0 0 0 0,-18 0 0 0 0,-11 0 0 0 0,-6 0 0 0 0,-3 0 0 0 0,-1 0 0 0 0,1 0 0 0 0,0 0 0 0 0,2 0 0 0 0,-12 0 0 0 0,-18 0 0 0 0,-9 0 0 0 0,-12 0 0 0 0,-9 0 0 0 0,-2 0 0 0 0</inkml:trace>
+  <inkml:trace contextRef="#ctx0" brushRef="#br0">19738 9702 16383 0 0,'6'0'0'0'0,"1"0"0"0"0,7 0 0 0 0,12 0 0 0 0,19 0 0 0 0,14 0 0 0 0,27 0 0 0 0,22 0 0 0 0,21 0 0 0 0,55 0 0 0 0,38 0 0 0 0,21 0 0 0 0,11 0 0 0 0,-1 0 0 0 0,8 0 0 0 0,8 0 0 0 0,5 0 0 0 0,-21 0 0 0 0,-17 0 0 0 0,-2 0 0 0 0,6 0 0 0 0,10 0 0 0 0,-13 0 0 0 0,-7 0 0 0 0,5 0 0 0 0,-19 0 0 0 0,-12 0 0 0 0,2 0 0 0 0,-17 0 0 0 0,-5 0 0 0 0,-23 0 0 0 0,-13 0 0 0 0,-4 0 0 0 0,-15 0 0 0 0,-4 0 0 0 0,-7 0 0 0 0,-12 0 0 0 0,7 0 0 0 0,1 0 0 0 0,22 0 0 0 0,13 0 0 0 0,21 0 0 0 0,1 0 0 0 0,-7 0 0 0 0,-1 0 0 0 0,-10 0 0 0 0,-8 0 0 0 0,19 0 0 0 0,5 0 0 0 0,3 0 0 0 0,44 0 0 0 0,14 0 0 0 0,-3 0 0 0 0,-15 0 0 0 0,26 0 0 0 0,3 0 0 0 0,-23 0 0 0 0,-23 0 0 0 0,7 0 0 0 0,-2 0 0 0 0,-21 0 0 0 0,-18 0 0 0 0,-9 0 0 0 0,-22 0 0 0 0,-22 0 0 0 0,-23 0 0 0 0,-21 0 0 0 0,-15 0 0 0 0,-10 0 0 0 0,-6 0 0 0 0,-2 0 0 0 0,-1 0 0 0 0,1 0 0 0 0,0 0 0 0 0,2 0 0 0 0,-11 0 0 0 0,-16 0 0 0 0,-8 0 0 0 0,-10 0 0 0 0,-9 0 0 0 0,-1 0 0 0 0</inkml:trace>
 </inkml:ink>
 </file>
 
@@ -679,7 +682,7 @@
       <inkml:brushProperty name="color" value="#E71224"/>
     </inkml:brush>
   </inkml:definitions>
-  <inkml:trace contextRef="#ctx0" brushRef="#br0">27755 13592 16383 0 0,'6'0'0'0'0,"10"0"0"0"0,8 0 0 0 0,7 0 0 0 0,5 0 0 0 0,3 0 0 0 0,1 0 0 0 0,8 0 0 0 0,2 0 0 0 0,-1 0 0 0 0,-2 0 0 0 0,-9 0 0 0 0,-4 0 0 0 0,-1 0 0 0 0,0 0 0 0 0,1 0 0 0 0,2 0 0 0 0,1 0 0 0 0,2 0 0 0 0,0 0 0 0 0,0 0 0 0 0,0 0 0 0 0,1 0 0 0 0,0 0 0 0 0,-7 0 0 0 0,-3 0 0 0 0,1 0 0 0 0,-5 0 0 0 0</inkml:trace>
+  <inkml:trace contextRef="#ctx0" brushRef="#br0">27755 14972 16383 0 0,'9'0'0'0'0,"16"0"0"0"0,12 0 0 0 0,10 0 0 0 0,9 0 0 0 0,3 0 0 0 0,3 0 0 0 0,12 0 0 0 0,2 0 0 0 0,0 0 0 0 0,-4 0 0 0 0,-14 0 0 0 0,-5 0 0 0 0,-3 0 0 0 0,1 0 0 0 0,1 0 0 0 0,3 0 0 0 0,2 0 0 0 0,3 0 0 0 0,0 0 0 0 0,0 0 0 0 0,0 0 0 0 0,1 0 0 0 0,1 0 0 0 0,-12 0 0 0 0,-3 0 0 0 0,0 0 0 0 0,-7 0 0 0 0</inkml:trace>
 </inkml:ink>
 </file>
 
@@ -711,7 +714,7 @@
       <inkml:brushProperty name="color" value="#E71224"/>
     </inkml:brush>
   </inkml:definitions>
-  <inkml:trace contextRef="#ctx0" brushRef="#br0">20449 10642 16383 0 0,'7'0'0'0'0,"9"2"0"0"0,7 0 0 0 0,15 1 0 0 0,14 2 0 0 0,12 0 0 0 0,16 2 0 0 0,14 1 0 0 0,31 3 0 0 0,22 2 0 0 0,26 2 0 0 0,17 2 0 0 0,3 0 0 0 0,-12-1 0 0 0,-9-1 0 0 0,-27-2 0 0 0,-25-3 0 0 0,-13-1 0 0 0,-12 0 0 0 0,-1-1 0 0 0,-4 0 0 0 0,-3-1 0 0 0,-3 1 0 0 0,17 1 0 0 0,13 1 0 0 0,13 1 0 0 0,4 0 0 0 0,1 1 0 0 0,-3-1 0 0 0,-16-1 0 0 0,-1 0 0 0 0,-19-2 0 0 0,-13-1 0 0 0,-5-1 0 0 0,-3 1 0 0 0,1-1 0 0 0,0 0 0 0 0,9 2 0 0 0,-4-2 0 0 0,7 2 0 0 0,21 1 0 0 0,7 1 0 0 0,18 1 0 0 0,0 1 0 0 0,11 0 0 0 0,22 3 0 0 0,-3-1 0 0 0,5 0 0 0 0,-13 0 0 0 0,-19-3 0 0 0,-6 1 0 0 0,-17-3 0 0 0,-8 0 0 0 0,-1 0 0 0 0,14 1 0 0 0,9 1 0 0 0,4 1 0 0 0,19 1 0 0 0,6 0 0 0 0,-10 0 0 0 0,11 0 0 0 0,-15-1 0 0 0,-18-1 0 0 0,-2 0 0 0 0,-15-2 0 0 0,-18-2 0 0 0,-18-1 0 0 0,-13-1 0 0 0,-3 0 0 0 0,2 0 0 0 0,6 0 0 0 0,-1 0 0 0 0,-4 0 0 0 0,-4 0 0 0 0,1 0 0 0 0,13 0 0 0 0,1 1 0 0 0,-4 0 0 0 0,-12-2 0 0 0,-9 0 0 0 0,-4-1 0 0 0,-2 0 0 0 0,6 1 0 0 0,17 1 0 0 0,11 1 0 0 0,41 4 0 0 0,36 3 0 0 0,34 3 0 0 0,19 1 0 0 0,8 1 0 0 0,24 3 0 0 0,-22-3 0 0 0,-20-1 0 0 0,-28-3 0 0 0,-22-2 0 0 0,-15-1 0 0 0,-22-2 0 0 0,-9-1 0 0 0,-6 0 0 0 0,-13-2 0 0 0,-5 1 0 0 0,-8-2 0 0 0,-8 0 0 0 0,-6-1 0 0 0,-5 0 0 0 0,-3-1 0 0 0,-2 1 0 0 0,6-1 0 0 0,2 1 0 0 0,1 0 0 0 0,-3 0 0 0 0,-1 0 0 0 0,-1 0 0 0 0,-1-1 0 0 0,-2 1 0 0 0,-6-1 0 0 0,-2-1 0 0 0,0 1 0 0 0,1 0 0 0 0,-3-1 0 0 0,-1 1 0 0 0,2-1 0 0 0,-5 1 0 0 0</inkml:trace>
+  <inkml:trace contextRef="#ctx0" brushRef="#br0">20449 10642 16383 0 0,'6'0'0'0'0,"9"2"0"0"0,6 0 0 0 0,14 0 0 0 0,13 3 0 0 0,11 0 0 0 0,15 1 0 0 0,13 2 0 0 0,28 2 0 0 0,21 2 0 0 0,23 2 0 0 0,17 1 0 0 0,2 1 0 0 0,-11-1 0 0 0,-9-1 0 0 0,-24-2 0 0 0,-23-3 0 0 0,-13 0 0 0 0,-10-1 0 0 0,-1-1 0 0 0,-4 1 0 0 0,-3-2 0 0 0,-2 2 0 0 0,15 0 0 0 0,12 1 0 0 0,12 1 0 0 0,4 1 0 0 0,1 0 0 0 0,-3-1 0 0 0,-15-1 0 0 0,-1 0 0 0 0,-17-1 0 0 0,-12-2 0 0 0,-5 0 0 0 0,-3 0 0 0 0,2 0 0 0 0,-1-1 0 0 0,9 3 0 0 0,-4-3 0 0 0,6 3 0 0 0,20 0 0 0 0,6 1 0 0 0,17 2 0 0 0,0 0 0 0 0,10 0 0 0 0,20 3 0 0 0,-3-1 0 0 0,6 0 0 0 0,-13 0 0 0 0,-18-3 0 0 0,-5 1 0 0 0,-15-3 0 0 0,-8 1 0 0 0,-1-1 0 0 0,13 1 0 0 0,8 1 0 0 0,4 2 0 0 0,18 0 0 0 0,5 0 0 0 0,-9 0 0 0 0,10 0 0 0 0,-14-1 0 0 0,-17-1 0 0 0,-1 0 0 0 0,-14-2 0 0 0,-17-1 0 0 0,-16-1 0 0 0,-13-2 0 0 0,-2 1 0 0 0,2-1 0 0 0,5 1 0 0 0,0 0 0 0 0,-5-1 0 0 0,-3 1 0 0 0,1 0 0 0 0,12-1 0 0 0,1 2 0 0 0,-4-1 0 0 0,-11-1 0 0 0,-8 0 0 0 0,-4-2 0 0 0,-2 1 0 0 0,6 1 0 0 0,15 1 0 0 0,11 0 0 0 0,37 4 0 0 0,34 3 0 0 0,31 3 0 0 0,17 1 0 0 0,8 1 0 0 0,22 2 0 0 0,-20-2 0 0 0,-19-1 0 0 0,-26-3 0 0 0,-20-2 0 0 0,-13-1 0 0 0,-21-2 0 0 0,-9 0 0 0 0,-4-1 0 0 0,-13-1 0 0 0,-5 0 0 0 0,-6-1 0 0 0,-9-1 0 0 0,-4 0 0 0 0,-6 0 0 0 0,-2-2 0 0 0,-2 2 0 0 0,6-1 0 0 0,1 1 0 0 0,2-1 0 0 0,-4 1 0 0 0,0 0 0 0 0,-1-1 0 0 0,-2 0 0 0 0,-1 1 0 0 0,-5-1 0 0 0,-3-1 0 0 0,1 0 0 0 0,1 1 0 0 0,-4-1 0 0 0,0 1 0 0 0,2-1 0 0 0,-5 0 0 0 0</inkml:trace>
 </inkml:ink>
 </file>
 
@@ -1127,7 +1130,7 @@
       <inkml:brushProperty name="color" value="#E71224"/>
     </inkml:brush>
   </inkml:definitions>
-  <inkml:trace contextRef="#ctx0" brushRef="#br0">29026 3749 16383 0 0,'-7'0'0'0'0,"-9"0"0"0"0,-8 0 0 0 0,-7 0 0 0 0,-4 0 0 0 0,-4 0 0 0 0,-2 0 0 0 0,0 0 0 0 0,0 0 0 0 0,1 0 0 0 0,-1 0 0 0 0,1 0 0 0 0,1 0 0 0 0,6 0 0 0 0,2 0 0 0 0,1 0 0 0 0,-3 0 0 0 0,-1 0 0 0 0,-2 0 0 0 0,5 0 0 0 0,1 0 0 0 0,-1 0 0 0 0,-2 0 0 0 0,-2 0 0 0 0,-1 0 0 0 0,-9 0 0 0 0,-3 0 0 0 0,7 0 0 0 0,3 0 0 0 0,2 0 0 0 0,0 0 0 0 0,0 0 0 0 0,-1 0 0 0 0,-1 0 0 0 0,0 0 0 0 0,-1 0 0 0 0,-1 0 0 0 0,1 0 0 0 0,0 0 0 0 0,-1 0 0 0 0,14 0 0 0 0,11 0 0 0 0</inkml:trace>
+  <inkml:trace contextRef="#ctx0" brushRef="#br0">28597 3749 16383 0 0,'-4'0'0'0'0,"-8"0"0"0"0,-5 0 0 0 0,-5 0 0 0 0,-2 0 0 0 0,-4 0 0 0 0,-1 0 0 0 0,0 0 0 0 0,0 0 0 0 0,1 0 0 0 0,-1 0 0 0 0,1 0 0 0 0,0 0 0 0 0,5 0 0 0 0,1 0 0 0 0,1 0 0 0 0,-2 0 0 0 0,-1 0 0 0 0,-2 0 0 0 0,4 0 0 0 0,1 0 0 0 0,-1 0 0 0 0,-1 0 0 0 0,-2 0 0 0 0,0 0 0 0 0,-7 0 0 0 0,-2 0 0 0 0,5 0 0 0 0,2 0 0 0 0,2 0 0 0 0,-1 0 0 0 0,1 0 0 0 0,-1 0 0 0 0,-1 0 0 0 0,0 0 0 0 0,0 0 0 0 0,-2 0 0 0 0,2 0 0 0 0,-1 0 0 0 0,0 0 0 0 0,10 0 0 0 0,7 0 0 0 0</inkml:trace>
 </inkml:ink>
 </file>
 
@@ -1159,7 +1162,7 @@
       <inkml:brushProperty name="color" value="#E71224"/>
     </inkml:brush>
   </inkml:definitions>
-  <inkml:trace contextRef="#ctx0" brushRef="#br0">27966 13501 16383 0 0,'7'0'0'0'0,"9"0"0"0"0,1 0 0 0 0,5 0 0 0 0,5 0 0 0 0,5 0 0 0 0,4 0 0 0 0,2 0 0 0 0,1 0 0 0 0,1 0 0 0 0,-6 0 0 0 0,-3 0 0 0 0,1 0 0 0 0,1 0 0 0 0,2 0 0 0 0,1 0 0 0 0,2 0 0 0 0,1 0 0 0 0,0 0 0 0 0,1 0 0 0 0,-1 0 0 0 0,1 0 0 0 0,-1 0 0 0 0,1 0 0 0 0,-7 0 0 0 0</inkml:trace>
+  <inkml:trace contextRef="#ctx0" brushRef="#br0">27966 13707 16383 0 0,'13'0'0'0'0,"17"0"0"0"0,1 0 0 0 0,10 0 0 0 0,9 0 0 0 0,10 0 0 0 0,6 0 0 0 0,5 0 0 0 0,1 0 0 0 0,3 0 0 0 0,-12 0 0 0 0,-6 0 0 0 0,3 0 0 0 0,1 0 0 0 0,4 0 0 0 0,2 0 0 0 0,3 0 0 0 0,3 0 0 0 0,-1 0 0 0 0,3 0 0 0 0,-3 0 0 0 0,2 0 0 0 0,-1 0 0 0 0,1 0 0 0 0,-13 0 0 0 0</inkml:trace>
 </inkml:ink>
 </file>
 
@@ -1255,7 +1258,7 @@
       <inkml:brushProperty name="color" value="#E71224"/>
     </inkml:brush>
   </inkml:definitions>
-  <inkml:trace contextRef="#ctx0" brushRef="#br0">9421 9729 16383 0 0,'-7'0'0'0'0,"-9"0"0"0"0,-8 0 0 0 0,-13 0 0 0 0,-8 0 0 0 0,-2 0 0 0 0,-7 0 0 0 0,-1 0 0 0 0,-4 0 0 0 0,-6 0 0 0 0,2 0 0 0 0,-2 0 0 0 0,3 0 0 0 0,6 0 0 0 0,-1 0 0 0 0,2 0 0 0 0,5 0 0 0 0,3 0 0 0 0,3 0 0 0 0,3 0 0 0 0,1 0 0 0 0,1 0 0 0 0,0 0 0 0 0,1 0 0 0 0,-1 0 0 0 0,0 0 0 0 0,0 0 0 0 0,0 0 0 0 0,-7 0 0 0 0,-9 0 0 0 0,-8 0 0 0 0,-7 0 0 0 0,1 0 0 0 0,0 0 0 0 0,5 0 0 0 0,12 0 0 0 0,16 0 0 0 0</inkml:trace>
+  <inkml:trace contextRef="#ctx0" brushRef="#br0">9666 9876 16383 0 0,'-8'0'0'0'0,"-10"0"0"0"0,-9 0 0 0 0,-15 0 0 0 0,-9 0 0 0 0,-3 0 0 0 0,-7 0 0 0 0,-2 0 0 0 0,-4 0 0 0 0,-7 0 0 0 0,2 0 0 0 0,-1 0 0 0 0,2 0 0 0 0,7 0 0 0 0,-1 0 0 0 0,3 0 0 0 0,5 0 0 0 0,4 0 0 0 0,3 0 0 0 0,3 0 0 0 0,1 0 0 0 0,2 0 0 0 0,0 0 0 0 0,0 0 0 0 0,0 0 0 0 0,0 0 0 0 0,-1 0 0 0 0,1 0 0 0 0,-8 0 0 0 0,-11 0 0 0 0,-9 0 0 0 0,-7 0 0 0 0,0 0 0 0 0,1 0 0 0 0,5 0 0 0 0,14 0 0 0 0,18 0 0 0 0</inkml:trace>
 </inkml:ink>
 </file>
 
@@ -1287,7 +1290,7 @@
       <inkml:brushProperty name="color" value="#E71224"/>
     </inkml:brush>
   </inkml:definitions>
-  <inkml:trace contextRef="#ctx0" brushRef="#br0">13643 9848 16383 0 0,'-1'0'0'0'0,"-3"1"0"0"0,-1 0 0 0 0,-6 2 0 0 0,-9 1 0 0 0,-7 2 0 0 0,-2 1 0 0 0,-1 0 0 0 0,-3 1 0 0 0,-1-1 0 0 0,-2 2 0 0 0,-1-1 0 0 0,4 0 0 0 0,-4 0 0 0 0,-3 2 0 0 0,-1-1 0 0 0,1 0 0 0 0,-2 1 0 0 0,1 0 0 0 0,-1-1 0 0 0,-5 2 0 0 0,-2 0 0 0 0,-5 2 0 0 0,-1 0 0 0 0,-18 4 0 0 0,-3 0 0 0 0,-3 1 0 0 0,4-1 0 0 0,9-1 0 0 0,9-3 0 0 0,7-1 0 0 0,5-2 0 0 0,2 0 0 0 0,3-1 0 0 0,0 0 0 0 0,0 1 0 0 0,1-1 0 0 0,1-1 0 0 0,5 0 0 0 0,2-1 0 0 0,-1 0 0 0 0,-1 1 0 0 0,-3 0 0 0 0,-1 1 0 0 0,0 0 0 0 0,-8 1 0 0 0,-2 1 0 0 0,-1 0 0 0 0,2-1 0 0 0,2 1 0 0 0,-5 0 0 0 0,-1 0 0 0 0,-6 2 0 0 0,0 0 0 0 0,-3 1 0 0 0,-6 1 0 0 0,-5 1 0 0 0,2 0 0 0 0,-7 1 0 0 0,-10 3 0 0 0,-10 2 0 0 0,-22 5 0 0 0,-12 2 0 0 0,4 0 0 0 0,16-4 0 0 0,14-3 0 0 0,16-3 0 0 0,15-5 0 0 0,10-1 0 0 0,8-3 0 0 0,6 0 0 0 0,1-1 0 0 0,-6 1 0 0 0,-3 1 0 0 0,2 0 0 0 0,1-1 0 0 0,8-1 0 0 0,3-1 0 0 0,1-1 0 0 0,5 0 0 0 0,-6 0 0 0 0,-3 2 0 0 0,-2 0 0 0 0,0 0 0 0 0,5-1 0 0 0,1 0 0 0 0,1-1 0 0 0,-8 2 0 0 0,-2 1 0 0 0,-3 0 0 0 0,0 1 0 0 0,7-3 0 0 0,3 1 0 0 0,1-2 0 0 0,0 1 0 0 0,4-1 0 0 0,2 0 0 0 0,-3 0 0 0 0,-3 1 0 0 0,-1 0 0 0 0,-2 0 0 0 0,-2 1 0 0 0,0 0 0 0 0,-9 2 0 0 0,-3 1 0 0 0,1 0 0 0 0,1-1 0 0 0,3 0 0 0 0,2-1 0 0 0,7-2 0 0 0,-3 1 0 0 0,0 1 0 0 0,-1-1 0 0 0,1 0 0 0 0,-1 1 0 0 0,1-1 0 0 0,0 0 0 0 0,-1 1 0 0 0,1-1 0 0 0,0 0 0 0 0,1 0 0 0 0,1 0 0 0 0,-2 0 0 0 0,1 0 0 0 0,0 0 0 0 0,0 0 0 0 0,-1 0 0 0 0,0 1 0 0 0,6-2 0 0 0,1-1 0 0 0,1 1 0 0 0,6-2 0 0 0</inkml:trace>
+  <inkml:trace contextRef="#ctx0" brushRef="#br0">14504 9848 16383 0 0,'-1'0'0'0'0,"-3"1"0"0"0,-2 0 0 0 0,-7 2 0 0 0,-10 2 0 0 0,-7 1 0 0 0,-4 2 0 0 0,0-1 0 0 0,-4 2 0 0 0,-1-2 0 0 0,-2 3 0 0 0,-1-2 0 0 0,4 1 0 0 0,-4 0 0 0 0,-4 1 0 0 0,-1 0 0 0 0,1 0 0 0 0,-2 0 0 0 0,1 1 0 0 0,-1-1 0 0 0,-6 1 0 0 0,-2 1 0 0 0,-6 2 0 0 0,-1 0 0 0 0,-20 4 0 0 0,-4 0 0 0 0,-3 2 0 0 0,4-2 0 0 0,10-1 0 0 0,11-3 0 0 0,8-1 0 0 0,5-2 0 0 0,3-1 0 0 0,3 0 0 0 0,0 0 0 0 0,1 0 0 0 0,0 0 0 0 0,1-1 0 0 0,7-1 0 0 0,1 0 0 0 0,0-1 0 0 0,-2 2 0 0 0,-3-1 0 0 0,-2 2 0 0 0,1 0 0 0 0,-10 0 0 0 0,-1 2 0 0 0,-2 0 0 0 0,2-1 0 0 0,3 0 0 0 0,-6 1 0 0 0,-2 0 0 0 0,-6 2 0 0 0,0 0 0 0 0,-3 1 0 0 0,-8 1 0 0 0,-5 1 0 0 0,2 0 0 0 0,-8 1 0 0 0,-11 4 0 0 0,-12 1 0 0 0,-24 6 0 0 0,-15 2 0 0 0,5 0 0 0 0,18-4 0 0 0,16-3 0 0 0,19-4 0 0 0,17-5 0 0 0,11-1 0 0 0,9-3 0 0 0,7 0 0 0 0,2-2 0 0 0,-8 2 0 0 0,-3 1 0 0 0,3-1 0 0 0,0 0 0 0 0,10-1 0 0 0,3-2 0 0 0,1 0 0 0 0,6-1 0 0 0,-7 1 0 0 0,-3 2 0 0 0,-3-1 0 0 0,1 1 0 0 0,5-2 0 0 0,1 1 0 0 0,1-2 0 0 0,-8 3 0 0 0,-4 1 0 0 0,-2 0 0 0 0,-1 0 0 0 0,9-2 0 0 0,3 1 0 0 0,1-3 0 0 0,0 2 0 0 0,5-2 0 0 0,2 1 0 0 0,-4-1 0 0 0,-3 2 0 0 0,-1-1 0 0 0,-2 1 0 0 0,-3 0 0 0 0,1 1 0 0 0,-11 2 0 0 0,-4 1 0 0 0,2 0 0 0 0,1-2 0 0 0,3 1 0 0 0,3-1 0 0 0,8-3 0 0 0,-4 2 0 0 0,0 1 0 0 0,-1-2 0 0 0,1 1 0 0 0,-1 1 0 0 0,2-2 0 0 0,-1 1 0 0 0,-1 1 0 0 0,1-2 0 0 0,0 1 0 0 0,2 0 0 0 0,0-1 0 0 0,-1 1 0 0 0,0 0 0 0 0,0-1 0 0 0,1 1 0 0 0,-2 0 0 0 0,0 0 0 0 0,7-1 0 0 0,1-2 0 0 0,2 2 0 0 0,6-3 0 0 0</inkml:trace>
 </inkml:ink>
 </file>
 
@@ -1351,7 +1354,7 @@
       <inkml:brushProperty name="color" value="#E71224"/>
     </inkml:brush>
   </inkml:definitions>
-  <inkml:trace contextRef="#ctx0" brushRef="#br0">23991 9855 16383 0 0,'6'1'0'0'0,"2"0"0"0"0,5 1 0 0 0,6 1 0 0 0,6 0 0 0 0,8 3 0 0 0,20 2 0 0 0,23 3 0 0 0,23 3 0 0 0,38 7 0 0 0,18 2 0 0 0,40 6 0 0 0,52 8 0 0 0,19 3 0 0 0,-6-2 0 0 0,-3 0 0 0 0,-28-3 0 0 0,-38-8 0 0 0,-36-3 0 0 0,-38-7 0 0 0,-35-4 0 0 0,-26-5 0 0 0,-17-2 0 0 0,-8-2 0 0 0,-7 0 0 0 0,6 0 0 0 0,7 2 0 0 0,9 1 0 0 0,1-1 0 0 0,14 3 0 0 0,9 2 0 0 0,7 1 0 0 0,2-1 0 0 0,13 3 0 0 0,-3-1 0 0 0,0 1 0 0 0,-11-3 0 0 0,-7-1 0 0 0,-9 0 0 0 0,-12-2 0 0 0,-8-2 0 0 0,-6-1 0 0 0,-4-1 0 0 0,-3 1 0 0 0,0-1 0 0 0,-1 0 0 0 0,1 1 0 0 0,0-1 0 0 0,-3 0 0 0 0,-2 0 0 0 0,1-1 0 0 0,1 1 0 0 0,2 0 0 0 0,1 0 0 0 0,1 1 0 0 0,2 0 0 0 0,-1 0 0 0 0,1-1 0 0 0,-1 1 0 0 0,0-1 0 0 0,0 1 0 0 0,-5-1 0 0 0,-1 0 0 0 0,1 0 0 0 0,-1-1 0 0 0,-2 0 0 0 0,0 1 0 0 0,1 0 0 0 0,2 0 0 0 0,1-1 0 0 0,-2 1 0 0 0,-12-2 0 0 0,-12-2 0 0 0,-7 0 0 0 0</inkml:trace>
+  <inkml:trace contextRef="#ctx0" brushRef="#br0">23991 9855 16383 0 0,'7'1'0'0'0,"3"0"0"0"0,5 2 0 0 0,8 1 0 0 0,7-1 0 0 0,9 5 0 0 0,24 2 0 0 0,28 4 0 0 0,27 3 0 0 0,46 9 0 0 0,21 3 0 0 0,48 7 0 0 0,62 10 0 0 0,22 4 0 0 0,-6-3 0 0 0,-5 1 0 0 0,-32-5 0 0 0,-46-9 0 0 0,-43-4 0 0 0,-46-9 0 0 0,-41-5 0 0 0,-31-6 0 0 0,-20-2 0 0 0,-10-3 0 0 0,-9 0 0 0 0,8 0 0 0 0,8 2 0 0 0,11 2 0 0 0,1-2 0 0 0,17 5 0 0 0,11 1 0 0 0,8 2 0 0 0,2-1 0 0 0,16 4 0 0 0,-4-2 0 0 0,0 1 0 0 0,-12-3 0 0 0,-10-2 0 0 0,-10 1 0 0 0,-14-3 0 0 0,-10-3 0 0 0,-7-1 0 0 0,-5-1 0 0 0,-3 2 0 0 0,0-2 0 0 0,-2 0 0 0 0,2 1 0 0 0,-1-1 0 0 0,-3 0 0 0 0,-2 0 0 0 0,1-1 0 0 0,1 1 0 0 0,2 0 0 0 0,2 0 0 0 0,1 1 0 0 0,2 0 0 0 0,-1 0 0 0 0,1-1 0 0 0,-1 1 0 0 0,0-1 0 0 0,0 2 0 0 0,-6-2 0 0 0,-1 0 0 0 0,1 0 0 0 0,-1-2 0 0 0,-3 1 0 0 0,1 1 0 0 0,0 0 0 0 0,3 0 0 0 0,2-1 0 0 0,-3 1 0 0 0,-15-3 0 0 0,-14-2 0 0 0,-8 0 0 0 0</inkml:trace>
 </inkml:ink>
 </file>
 
@@ -1383,7 +1386,7 @@
       <inkml:brushProperty name="color" value="#E71224"/>
     </inkml:brush>
   </inkml:definitions>
-  <inkml:trace contextRef="#ctx0" brushRef="#br0">11293 13487 16383 0 0,'-3'4'0'0'0,"-5"5"0"0"0,-3 5 0 0 0,-3 2 0 0 0,-2 4 0 0 0,-5 4 0 0 0,-1 3 0 0 0,-1 0 0 0 0,1-1 0 0 0,-2 3 0 0 0,0 0 0 0 0,1-2 0 0 0,2-2 0 0 0,1-1 0 0 0,0-1 0 0 0,2-1 0 0 0,0 0 0 0 0,0-1 0 0 0,0 0 0 0 0,1 0 0 0 0,-4 3 0 0 0,0 2 0 0 0,-1 0 0 0 0,2-2 0 0 0,0 0 0 0 0,1-2 0 0 0,-2 3 0 0 0,-1 1 0 0 0,1 0 0 0 0,1-2 0 0 0,0-1 0 0 0,1 0 0 0 0,1-1 0 0 0,0-1 0 0 0,0 0 0 0 0,0 1 0 0 0,0-1 0 0 0,0 0 0 0 0,-2 3 0 0 0,2-2 0 0 0</inkml:trace>
+  <inkml:trace contextRef="#ctx0" brushRef="#br0">11469 13487 16383 0 0,'-3'5'0'0'0,"-7"6"0"0"0,-4 6 0 0 0,-3 3 0 0 0,-3 4 0 0 0,-6 6 0 0 0,-1 3 0 0 0,-1 0 0 0 0,0-2 0 0 0,-1 5 0 0 0,-1 0 0 0 0,2-3 0 0 0,2-3 0 0 0,1 0 0 0 0,1-2 0 0 0,1-1 0 0 0,1 0 0 0 0,0-2 0 0 0,0 1 0 0 0,1 0 0 0 0,-5 3 0 0 0,0 3 0 0 0,-1 0 0 0 0,2-3 0 0 0,0 1 0 0 0,2-3 0 0 0,-3 3 0 0 0,-1 2 0 0 0,1 0 0 0 0,1-3 0 0 0,1-1 0 0 0,0 1 0 0 0,2-3 0 0 0,0 0 0 0 0,0 0 0 0 0,-1 1 0 0 0,1-1 0 0 0,0-1 0 0 0,-3 5 0 0 0,3-3 0 0 0</inkml:trace>
 </inkml:ink>
 </file>
 
@@ -1415,7 +1418,7 @@
       <inkml:brushProperty name="color" value="#E71224"/>
     </inkml:brush>
   </inkml:definitions>
-  <inkml:trace contextRef="#ctx0" brushRef="#br0">13460 13496 16383 0 0,'3'4'0'0'0,"4"5"0"0"0,5 5 0 0 0,5 6 0 0 0,4 5 0 0 0,1 1 0 0 0,0 0 0 0 0,-1-1 0 0 0,2 3 0 0 0,1 1 0 0 0,2 2 0 0 0,-1-1 0 0 0,0-1 0 0 0,-3-3 0 0 0,-2-1 0 0 0,0-2 0 0 0,-1-1 0 0 0,2 3 0 0 0,1 1 0 0 0,-1 0 0 0 0,0-1 0 0 0,-1-1 0 0 0,-1-1 0 0 0,0-1 0 0 0,-1 0 0 0 0,0-1 0 0 0,1 1 0 0 0,-1 0 0 0 0,1 0 0 0 0,-1 0 0 0 0,1 1 0 0 0,-1-2 0 0 0,0 1 0 0 0,-3-4 0 0 0</inkml:trace>
+  <inkml:trace contextRef="#ctx0" brushRef="#br0">13460 13496 16383 0 0,'6'6'0'0'0,"6"6"0"0"0,11 8 0 0 0,8 9 0 0 0,8 6 0 0 0,2 2 0 0 0,-1 0 0 0 0,-1-1 0 0 0,4 4 0 0 0,1 1 0 0 0,4 3 0 0 0,-2-2 0 0 0,1 0 0 0 0,-7-5 0 0 0,-3-2 0 0 0,0-2 0 0 0,-1-2 0 0 0,2 5 0 0 0,3 1 0 0 0,-2 0 0 0 0,0-2 0 0 0,-2-1 0 0 0,-2-1 0 0 0,0-2 0 0 0,-2 0 0 0 0,1-1 0 0 0,1 2 0 0 0,-2-1 0 0 0,2 0 0 0 0,-2 0 0 0 0,3 2 0 0 0,-3-3 0 0 0,0 1 0 0 0,-5-5 0 0 0</inkml:trace>
 </inkml:ink>
 </file>
 
@@ -1447,7 +1450,7 @@
       <inkml:brushProperty name="color" value="#E71224"/>
     </inkml:brush>
   </inkml:definitions>
-  <inkml:trace contextRef="#ctx0" brushRef="#br0">23881 13529 16383 0 0,'3'3'0'0'0,"10"13"0"0"0,9 10 0 0 0,10 12 0 0 0,6 7 0 0 0,5 7 0 0 0,6 6 0 0 0,2 4 0 0 0,-3-5 0 0 0,-3-5 0 0 0,-8-7 0 0 0,-6-8 0 0 0,-6-7 0 0 0,-3-5 0 0 0,-4-2 0 0 0,-1-3 0 0 0,0 0 0 0 0,1 1 0 0 0,-1 0 0 0 0,0 0 0 0 0,1-1 0 0 0,-3-2 0 0 0</inkml:trace>
+  <inkml:trace contextRef="#ctx0" brushRef="#br0">23881 13529 16383 0 0,'5'4'0'0'0,"17"19"0"0"0,15 14 0 0 0,18 16 0 0 0,9 11 0 0 0,9 9 0 0 0,10 9 0 0 0,3 5 0 0 0,-4-6 0 0 0,-6-8 0 0 0,-13-9 0 0 0,-11-12 0 0 0,-9-10 0 0 0,-6-6 0 0 0,-7-4 0 0 0,-1-4 0 0 0,0 1 0 0 0,2 0 0 0 0,-3 1 0 0 0,1 0 0 0 0,2-2 0 0 0,-6-3 0 0 0</inkml:trace>
 </inkml:ink>
 </file>
 
@@ -1479,7 +1482,7 @@
       <inkml:brushProperty name="color" value="#E71224"/>
     </inkml:brush>
   </inkml:definitions>
-  <inkml:trace contextRef="#ctx0" brushRef="#br0">21535 13568 16383 0 0,'-3'3'0'0'0,"-4"5"0"0"0,-3 5 0 0 0,-4 4 0 0 0,-3 2 0 0 0,-1 3 0 0 0,-3 3 0 0 0,-2 2 0 0 0,1 0 0 0 0,0-1 0 0 0,1-1 0 0 0,2-3 0 0 0,1 0 0 0 0,-3 3 0 0 0,-4 5 0 0 0,-1 1 0 0 0,2-2 0 0 0,0-1 0 0 0,3-3 0 0 0,1-1 0 0 0,1-2 0 0 0,1 0 0 0 0,-3 3 0 0 0,-1 1 0 0 0,1 0 0 0 0,0-1 0 0 0,-2 2 0 0 0,0 1 0 0 0,0-2 0 0 0,2 0 0 0 0,0-2 0 0 0,3-1 0 0 0,-1-2 0 0 0,4-3 0 0 0</inkml:trace>
+  <inkml:trace contextRef="#ctx0" brushRef="#br0">21681 13568 16383 0 0,'-4'4'0'0'0,"-4"6"0"0"0,-4 6 0 0 0,-5 5 0 0 0,-4 3 0 0 0,-1 3 0 0 0,-4 4 0 0 0,-2 3 0 0 0,1 0 0 0 0,0-2 0 0 0,2-1 0 0 0,2-3 0 0 0,1-1 0 0 0,-4 4 0 0 0,-5 7 0 0 0,0 1 0 0 0,1-3 0 0 0,1-1 0 0 0,3-4 0 0 0,2-1 0 0 0,1-3 0 0 0,1 1 0 0 0,-4 3 0 0 0,-1 1 0 0 0,2 1 0 0 0,-1-2 0 0 0,-2 2 0 0 0,0 2 0 0 0,0-2 0 0 0,2-1 0 0 0,0-2 0 0 0,5-1 0 0 0,-3-3 0 0 0,6-3 0 0 0</inkml:trace>
 </inkml:ink>
 </file>
 
@@ -1511,7 +1514,7 @@
       <inkml:brushProperty name="color" value="#E71224"/>
     </inkml:brush>
   </inkml:definitions>
-  <inkml:trace contextRef="#ctx0" brushRef="#br0">16765 15431 16383 0 0,'-2'5'0'0'0,"-2"5"0"0"0,-4 10 0 0 0,-5 12 0 0 0,-4 11 0 0 0,-2 3 0 0 0,-1 3 0 0 0,1-1 0 0 0,0-1 0 0 0,2-6 0 0 0,1 0 0 0 0,-2 2 0 0 0,2-3 0 0 0,2-4 0 0 0,0-1 0 0 0,1-4 0 0 0,1-1 0 0 0,2-5 0 0 0,1-2 0 0 0,1-3 0 0 0,0-1 0 0 0,0 1 0 0 0,-2 3 0 0 0,0 2 0 0 0,-1 3 0 0 0,-1 1 0 0 0,0 0 0 0 0,0 1 0 0 0,0 0 0 0 0,1-3 0 0 0,2-3 0 0 0,-2 2 0 0 0,1 0 0 0 0,-2 2 0 0 0,2-2 0 0 0,0-1 0 0 0,-1 2 0 0 0,1-3 0 0 0,1-1 0 0 0,-1 1 0 0 0,2-5 0 0 0</inkml:trace>
+  <inkml:trace contextRef="#ctx0" brushRef="#br0">16690 15431 16383 0 0,'-1'5'0'0'0,"-3"5"0"0"0,-2 10 0 0 0,-5 12 0 0 0,-4 11 0 0 0,-1 3 0 0 0,-1 3 0 0 0,1-1 0 0 0,0-1 0 0 0,1-6 0 0 0,2 0 0 0 0,-2 2 0 0 0,1-3 0 0 0,2-4 0 0 0,0-1 0 0 0,1-4 0 0 0,1-1 0 0 0,2-5 0 0 0,0-2 0 0 0,1-3 0 0 0,1-1 0 0 0,-1 1 0 0 0,-2 3 0 0 0,1 2 0 0 0,-1 3 0 0 0,-2 1 0 0 0,1 0 0 0 0,0 1 0 0 0,0 0 0 0 0,1-3 0 0 0,1-3 0 0 0,-1 2 0 0 0,0 0 0 0 0,-1 2 0 0 0,1-2 0 0 0,1-1 0 0 0,-1 2 0 0 0,0-3 0 0 0,2-1 0 0 0,-2 1 0 0 0,2-5 0 0 0</inkml:trace>
 </inkml:ink>
 </file>
 
@@ -1575,7 +1578,7 @@
       <inkml:brushProperty name="color" value="#E71224"/>
     </inkml:brush>
   </inkml:definitions>
-  <inkml:trace contextRef="#ctx0" brushRef="#br0">26494 14152 16383 0 0,'7'2'0'0'0,"6"2"0"0"0,6 2 0 0 0,19 7 0 0 0,4 1 0 0 0,3 2 0 0 0,0-1 0 0 0,4 1 0 0 0,0 0 0 0 0,-5-1 0 0 0,-5-1 0 0 0,3 0 0 0 0,1 1 0 0 0,1-1 0 0 0,1 2 0 0 0,-6-4 0 0 0,-1 1 0 0 0,1 1 0 0 0,3 0 0 0 0,2 1 0 0 0,0-1 0 0 0,-4 0 0 0 0,-2-1 0 0 0,1-1 0 0 0,-5 0 0 0 0,-1-2 0 0 0,2 3 0 0 0,3-1 0 0 0,3 2 0 0 0,1 1 0 0 0,-3-1 0 0 0,-2-2 0 0 0,0 0 0 0 0,4 1 0 0 0,1 1 0 0 0,0 0 0 0 0,3 3 0 0 0,1-3 0 0 0,2 2 0 0 0,1 1 0 0 0,-10-3 0 0 0</inkml:trace>
+  <inkml:trace contextRef="#ctx0" brushRef="#br0">26494 14152 16383 0 0,'5'3'0'0'0,"5"3"0"0"0,5 3 0 0 0,13 10 0 0 0,4 2 0 0 0,2 3 0 0 0,0-1 0 0 0,3 1 0 0 0,0 0 0 0 0,-4-2 0 0 0,-3-1 0 0 0,2 0 0 0 0,0 2 0 0 0,2-2 0 0 0,0 3 0 0 0,-5-6 0 0 0,0 1 0 0 0,0 2 0 0 0,3 0 0 0 0,1 1 0 0 0,1-1 0 0 0,-4 0 0 0 0,-1-1 0 0 0,0-2 0 0 0,-3 0 0 0 0,-1-3 0 0 0,1 4 0 0 0,3-1 0 0 0,2 3 0 0 0,1 2 0 0 0,-3-2 0 0 0,-1-4 0 0 0,0 1 0 0 0,3 2 0 0 0,1 1 0 0 0,0 0 0 0 0,2 4 0 0 0,1-4 0 0 0,1 3 0 0 0,1 2 0 0 0,-8-5 0 0 0</inkml:trace>
 </inkml:ink>
 </file>
 
@@ -5076,7 +5079,7 @@
         </p:nvSpPr>
         <p:spPr>
           <a:xfrm>
-            <a:off x="4857392" y="85582"/>
+            <a:off x="4966249" y="85582"/>
             <a:ext cx="2259883" cy="369332"/>
           </a:xfrm>
           <a:prstGeom prst="rect">
@@ -5096,13 +5099,14 @@
             <a:pPr algn="ctr"/>
             <a:r>
               <a:rPr lang="en-US" dirty="0">
-                <a:cs typeface="Calibri"/>
-              </a:rPr>
-              <a:t>Pause Menu Page</a:t>
-            </a:r>
-            <a:endParaRPr lang="en-US" dirty="0" err="1">
-              <a:ea typeface="Calibri" panose="020F0502020204030204"/>
-              <a:cs typeface="Calibri" panose="020F0502020204030204"/>
+                <a:ea typeface="+mn-lt"/>
+                <a:cs typeface="+mn-lt"/>
+              </a:rPr>
+              <a:t>Page du menu pause</a:t>
+            </a:r>
+            <a:endParaRPr lang="fr-FR" dirty="0">
+              <a:ea typeface="+mn-lt"/>
+              <a:cs typeface="+mn-lt"/>
             </a:endParaRPr>
           </a:p>
         </p:txBody>
@@ -5344,12 +5348,20 @@
           <a:p>
             <a:pPr algn="ctr"/>
             <a:r>
+              <a:rPr lang="en-US" dirty="0" err="1">
+                <a:ea typeface="+mn-lt"/>
+                <a:cs typeface="+mn-lt"/>
+              </a:rPr>
+              <a:t>Reprendre</a:t>
+            </a:r>
+            <a:r>
               <a:rPr lang="en-US" dirty="0">
-                <a:ea typeface="Calibri"/>
-                <a:cs typeface="Calibri"/>
-              </a:rPr>
-              <a:t>Resume the game</a:t>
-            </a:r>
+                <a:ea typeface="+mn-lt"/>
+                <a:cs typeface="+mn-lt"/>
+              </a:rPr>
+              <a:t> le jeu</a:t>
+            </a:r>
+            <a:endParaRPr lang="fr-FR" dirty="0"/>
           </a:p>
         </p:txBody>
       </p:sp>
@@ -5386,12 +5398,27 @@
           <a:p>
             <a:pPr algn="ctr"/>
             <a:r>
+              <a:rPr lang="en-US" dirty="0" err="1">
+                <a:ea typeface="+mn-lt"/>
+                <a:cs typeface="+mn-lt"/>
+              </a:rPr>
+              <a:t>Vers</a:t>
+            </a:r>
+            <a:r>
               <a:rPr lang="en-US" dirty="0">
-                <a:ea typeface="Calibri"/>
-                <a:cs typeface="Calibri"/>
-              </a:rPr>
-              <a:t>To the home page </a:t>
-            </a:r>
+                <a:ea typeface="+mn-lt"/>
+                <a:cs typeface="+mn-lt"/>
+              </a:rPr>
+              <a:t> la page </a:t>
+            </a:r>
+            <a:r>
+              <a:rPr lang="en-US" dirty="0" err="1">
+                <a:ea typeface="+mn-lt"/>
+                <a:cs typeface="+mn-lt"/>
+              </a:rPr>
+              <a:t>d'accueil</a:t>
+            </a:r>
+            <a:endParaRPr lang="fr-FR" dirty="0" err="1"/>
           </a:p>
         </p:txBody>
       </p:sp>
@@ -5409,8 +5436,8 @@
         </p:nvSpPr>
         <p:spPr>
           <a:xfrm>
-            <a:off x="10249798" y="2420775"/>
-            <a:ext cx="1364294" cy="646331"/>
+            <a:off x="10150013" y="2284704"/>
+            <a:ext cx="1563865" cy="923330"/>
           </a:xfrm>
           <a:prstGeom prst="rect">
             <a:avLst/>
@@ -5429,11 +5456,36 @@
             <a:pPr algn="ctr"/>
             <a:r>
               <a:rPr lang="en-US" dirty="0">
-                <a:ea typeface="Calibri"/>
-                <a:cs typeface="Calibri"/>
-              </a:rPr>
-              <a:t>Start a new game</a:t>
-            </a:r>
+                <a:ea typeface="+mn-lt"/>
+                <a:cs typeface="+mn-lt"/>
+              </a:rPr>
+              <a:t>Commencer </a:t>
+            </a:r>
+            <a:r>
+              <a:rPr lang="en-US" dirty="0" err="1">
+                <a:ea typeface="+mn-lt"/>
+                <a:cs typeface="+mn-lt"/>
+              </a:rPr>
+              <a:t>une</a:t>
+            </a:r>
+            <a:r>
+              <a:rPr lang="en-US" dirty="0">
+                <a:ea typeface="+mn-lt"/>
+                <a:cs typeface="+mn-lt"/>
+              </a:rPr>
+              <a:t> nouvelle </a:t>
+            </a:r>
+            <a:r>
+              <a:rPr lang="en-US" dirty="0" err="1">
+                <a:ea typeface="+mn-lt"/>
+                <a:cs typeface="+mn-lt"/>
+              </a:rPr>
+              <a:t>partie</a:t>
+            </a:r>
+            <a:endParaRPr lang="en-US" dirty="0" err="1">
+              <a:ea typeface="Calibri"/>
+              <a:cs typeface="Calibri"/>
+            </a:endParaRPr>
           </a:p>
         </p:txBody>
       </p:sp>
@@ -5451,7 +5503,7 @@
         </p:nvSpPr>
         <p:spPr>
           <a:xfrm>
-            <a:off x="10246334" y="4053880"/>
+            <a:off x="10182834" y="4053880"/>
             <a:ext cx="1364294" cy="923330"/>
           </a:xfrm>
           <a:prstGeom prst="rect">
@@ -5470,12 +5522,27 @@
           <a:p>
             <a:pPr algn="ctr"/>
             <a:r>
+              <a:rPr lang="en-US" dirty="0" err="1">
+                <a:ea typeface="+mn-lt"/>
+                <a:cs typeface="+mn-lt"/>
+              </a:rPr>
+              <a:t>Vers</a:t>
+            </a:r>
+            <a:r>
               <a:rPr lang="en-US" dirty="0">
-                <a:ea typeface="Calibri"/>
-                <a:cs typeface="Calibri"/>
-              </a:rPr>
-              <a:t>To the settings page</a:t>
-            </a:r>
+                <a:ea typeface="+mn-lt"/>
+                <a:cs typeface="+mn-lt"/>
+              </a:rPr>
+              <a:t> la page des </a:t>
+            </a:r>
+            <a:r>
+              <a:rPr lang="en-US" dirty="0" err="1">
+                <a:ea typeface="+mn-lt"/>
+                <a:cs typeface="+mn-lt"/>
+              </a:rPr>
+              <a:t>paramètres</a:t>
+            </a:r>
+            <a:endParaRPr lang="fr-FR" dirty="0" err="1"/>
           </a:p>
         </p:txBody>
       </p:sp>
@@ -5544,7 +5611,7 @@
         </p:nvSpPr>
         <p:spPr>
           <a:xfrm>
-            <a:off x="8528274" y="6056583"/>
+            <a:off x="8292417" y="6011226"/>
             <a:ext cx="2220967" cy="646331"/>
           </a:xfrm>
           <a:prstGeom prst="rect">
@@ -5563,27 +5630,34 @@
           <a:p>
             <a:pPr algn="ctr"/>
             <a:r>
+              <a:rPr lang="en-US" dirty="0" err="1">
+                <a:ea typeface="Calibri"/>
+                <a:cs typeface="Calibri"/>
+              </a:rPr>
+              <a:t>Activer</a:t>
+            </a:r>
+            <a:r>
               <a:rPr lang="en-US" dirty="0">
                 <a:ea typeface="Calibri"/>
                 <a:cs typeface="Calibri"/>
               </a:rPr>
-              <a:t>Mute/</a:t>
-            </a:r>
-            <a:endParaRPr lang="fr-FR" dirty="0">
-              <a:ea typeface="Calibri"/>
-              <a:cs typeface="Calibri"/>
-            </a:endParaRPr>
-          </a:p>
-          <a:p>
-            <a:pPr algn="ctr"/>
+              <a:t>/</a:t>
+            </a:r>
+            <a:r>
+              <a:rPr lang="en-US" dirty="0" err="1">
+                <a:ea typeface="Calibri"/>
+                <a:cs typeface="Calibri"/>
+              </a:rPr>
+              <a:t>Désactiver</a:t>
+            </a:r>
             <a:r>
               <a:rPr lang="en-US" dirty="0">
                 <a:ea typeface="Calibri"/>
                 <a:cs typeface="Calibri"/>
               </a:rPr>
-              <a:t>Turn on music</a:t>
-            </a:r>
-            <a:endParaRPr lang="en-US" dirty="0"/>
+              <a:t> le son</a:t>
+            </a:r>
+            <a:endParaRPr lang="fr-FR" dirty="0"/>
           </a:p>
         </p:txBody>
       </p:sp>
@@ -5641,8 +5715,8 @@
         </p:blipFill>
         <p:spPr>
           <a:xfrm>
-            <a:off x="550129" y="516920"/>
-            <a:ext cx="10830872" cy="6148352"/>
+            <a:off x="731558" y="498777"/>
+            <a:ext cx="10468015" cy="5939710"/>
           </a:xfrm>
         </p:spPr>
       </p:pic>
@@ -5660,7 +5734,7 @@
         </p:nvSpPr>
         <p:spPr>
           <a:xfrm>
-            <a:off x="4857392" y="85582"/>
+            <a:off x="4857392" y="94653"/>
             <a:ext cx="2210721" cy="369332"/>
           </a:xfrm>
           <a:prstGeom prst="rect">
@@ -5679,15 +5753,13 @@
           <a:p>
             <a:pPr algn="ctr"/>
             <a:r>
-              <a:rPr lang="en-US" dirty="0">
-                <a:cs typeface="Calibri"/>
-              </a:rPr>
-              <a:t>Leaderboard Page </a:t>
-            </a:r>
-            <a:endParaRPr lang="en-US" dirty="0">
-              <a:ea typeface="Calibri" panose="020F0502020204030204"/>
-              <a:cs typeface="Calibri"/>
-            </a:endParaRPr>
+              <a:rPr lang="en-US">
+                <a:ea typeface="+mn-lt"/>
+                <a:cs typeface="+mn-lt"/>
+              </a:rPr>
+              <a:t>Page de classement</a:t>
+            </a:r>
+            <a:endParaRPr lang="fr-FR"/>
           </a:p>
         </p:txBody>
       </p:sp>
@@ -5705,8 +5777,8 @@
         </p:nvSpPr>
         <p:spPr>
           <a:xfrm>
-            <a:off x="11437077" y="636494"/>
-            <a:ext cx="946011" cy="923330"/>
+            <a:off x="11164935" y="636494"/>
+            <a:ext cx="1100225" cy="923330"/>
           </a:xfrm>
           <a:prstGeom prst="rect">
             <a:avLst/>
@@ -5724,12 +5796,19 @@
           <a:p>
             <a:r>
               <a:rPr lang="en-US" dirty="0">
-                <a:ea typeface="Calibri"/>
-                <a:cs typeface="Calibri"/>
-              </a:rPr>
-              <a:t>Back to home page</a:t>
-            </a:r>
-            <a:endParaRPr lang="en-US" dirty="0"/>
+                <a:ea typeface="+mn-lt"/>
+                <a:cs typeface="+mn-lt"/>
+              </a:rPr>
+              <a:t>Retour à la page </a:t>
+            </a:r>
+            <a:r>
+              <a:rPr lang="en-US" dirty="0" err="1">
+                <a:ea typeface="+mn-lt"/>
+                <a:cs typeface="+mn-lt"/>
+              </a:rPr>
+              <a:t>d'accueil</a:t>
+            </a:r>
+            <a:endParaRPr lang="fr-FR" dirty="0" err="1"/>
           </a:p>
         </p:txBody>
       </p:sp>
@@ -5748,8 +5827,8 @@
               <p14:nvPr/>
             </p14:nvContentPartPr>
             <p14:xfrm>
-              <a:off x="11067719" y="958327"/>
-              <a:ext cx="525060" cy="14154"/>
+              <a:off x="10840933" y="958327"/>
+              <a:ext cx="370846" cy="59511"/>
             </p14:xfrm>
           </p:contentPart>
         </mc:Choice>
@@ -5774,8 +5853,8 @@
             </p:blipFill>
             <p:spPr>
               <a:xfrm>
-                <a:off x="11049725" y="250627"/>
-                <a:ext cx="560688" cy="1415400"/>
+                <a:off x="10822948" y="-2017223"/>
+                <a:ext cx="406456" cy="5951100"/>
               </a:xfrm>
               <a:prstGeom prst="rect">
                 <a:avLst/>
@@ -5798,9 +5877,9 @@
               <p14:cNvContentPartPr/>
               <p14:nvPr/>
             </p14:nvContentPartPr>
-            <p14:xfrm>
-              <a:off x="11281374" y="6175125"/>
-              <a:ext cx="295664" cy="14154"/>
+            <p14:xfrm rot="1920000" flipV="1">
+              <a:off x="10857707" y="6343193"/>
+              <a:ext cx="549663" cy="58417"/>
             </p14:xfrm>
           </p:contentPart>
         </mc:Choice>
@@ -5824,9 +5903,9 @@
               </a:stretch>
             </p:blipFill>
             <p:spPr>
-              <a:xfrm>
-                <a:off x="11263390" y="5481579"/>
-                <a:ext cx="331273" cy="1415400"/>
+              <a:xfrm rot="1920000" flipV="1">
+                <a:off x="10839709" y="3422343"/>
+                <a:ext cx="585299" cy="5841700"/>
               </a:xfrm>
               <a:prstGeom prst="rect">
                 <a:avLst/>
@@ -5849,8 +5928,8 @@
         </p:nvSpPr>
         <p:spPr>
           <a:xfrm>
-            <a:off x="11065285" y="5635242"/>
-            <a:ext cx="1396215" cy="923330"/>
+            <a:off x="9613856" y="6406313"/>
+            <a:ext cx="2620857" cy="369332"/>
           </a:xfrm>
           <a:prstGeom prst="rect">
             <a:avLst/>
@@ -5868,27 +5947,34 @@
           <a:p>
             <a:pPr algn="ctr"/>
             <a:r>
+              <a:rPr lang="en-US" dirty="0" err="1">
+                <a:ea typeface="Calibri"/>
+                <a:cs typeface="Calibri"/>
+              </a:rPr>
+              <a:t>Activer</a:t>
+            </a:r>
+            <a:r>
               <a:rPr lang="en-US" dirty="0">
                 <a:ea typeface="Calibri"/>
                 <a:cs typeface="Calibri"/>
               </a:rPr>
-              <a:t>Mute/</a:t>
-            </a:r>
-            <a:endParaRPr lang="fr-FR" dirty="0">
-              <a:ea typeface="Calibri"/>
-              <a:cs typeface="Calibri"/>
-            </a:endParaRPr>
-          </a:p>
-          <a:p>
-            <a:pPr algn="ctr"/>
+              <a:t>/</a:t>
+            </a:r>
+            <a:r>
+              <a:rPr lang="en-US" dirty="0" err="1">
+                <a:ea typeface="Calibri"/>
+                <a:cs typeface="Calibri"/>
+              </a:rPr>
+              <a:t>Désactiver</a:t>
+            </a:r>
             <a:r>
               <a:rPr lang="en-US" dirty="0">
                 <a:ea typeface="Calibri"/>
                 <a:cs typeface="Calibri"/>
               </a:rPr>
-              <a:t>Turn on music</a:t>
-            </a:r>
-            <a:endParaRPr lang="en-US" dirty="0"/>
+              <a:t> le son</a:t>
+            </a:r>
+            <a:endParaRPr lang="fr-FR" dirty="0"/>
           </a:p>
         </p:txBody>
       </p:sp>
@@ -5936,7 +6022,7 @@
         </p:nvSpPr>
         <p:spPr>
           <a:xfrm>
-            <a:off x="4857392" y="85582"/>
+            <a:off x="4975321" y="121868"/>
             <a:ext cx="1952625" cy="369332"/>
           </a:xfrm>
           <a:prstGeom prst="rect">
@@ -5955,15 +6041,13 @@
           <a:p>
             <a:pPr algn="ctr"/>
             <a:r>
-              <a:rPr lang="en-US" dirty="0">
-                <a:cs typeface="Calibri"/>
-              </a:rPr>
-              <a:t>Store Page</a:t>
-            </a:r>
-            <a:endParaRPr lang="fr-FR" dirty="0">
-              <a:ea typeface="Calibri" panose="020F0502020204030204"/>
-              <a:cs typeface="Calibri" panose="020F0502020204030204"/>
-            </a:endParaRPr>
+              <a:rPr lang="en-US">
+                <a:ea typeface="+mn-lt"/>
+                <a:cs typeface="+mn-lt"/>
+              </a:rPr>
+              <a:t>Page du magasin</a:t>
+            </a:r>
+            <a:endParaRPr lang="fr-FR"/>
           </a:p>
         </p:txBody>
       </p:sp>
@@ -5991,8 +6075,8 @@
         </p:blipFill>
         <p:spPr>
           <a:xfrm>
-            <a:off x="463170" y="549113"/>
-            <a:ext cx="10744634" cy="6044671"/>
+            <a:off x="1170741" y="621684"/>
+            <a:ext cx="9846563" cy="5545743"/>
           </a:xfrm>
         </p:spPr>
       </p:pic>
@@ -6010,8 +6094,8 @@
         </p:nvSpPr>
         <p:spPr>
           <a:xfrm>
-            <a:off x="11302607" y="735106"/>
-            <a:ext cx="946011" cy="923330"/>
+            <a:off x="11175608" y="735106"/>
+            <a:ext cx="1009510" cy="923330"/>
           </a:xfrm>
           <a:prstGeom prst="rect">
             <a:avLst/>
@@ -6032,9 +6116,16 @@
                 <a:ea typeface="Calibri"/>
                 <a:cs typeface="Calibri"/>
               </a:rPr>
-              <a:t>Back to home page</a:t>
-            </a:r>
-            <a:endParaRPr lang="en-US" dirty="0"/>
+              <a:t>Retour à la page </a:t>
+            </a:r>
+            <a:r>
+              <a:rPr lang="en-US" dirty="0" err="1">
+                <a:ea typeface="Calibri"/>
+                <a:cs typeface="Calibri"/>
+              </a:rPr>
+              <a:t>d'accueil</a:t>
+            </a:r>
+            <a:endParaRPr lang="fr-FR" dirty="0" err="1"/>
           </a:p>
         </p:txBody>
       </p:sp>
@@ -6053,7 +6144,7 @@
               <p14:nvPr/>
             </p14:nvContentPartPr>
             <p14:xfrm>
-              <a:off x="10870885" y="1128185"/>
+              <a:off x="10762028" y="1128185"/>
               <a:ext cx="440281" cy="14154"/>
             </p14:xfrm>
           </p:contentPart>
@@ -6079,7 +6170,7 @@
             </p:blipFill>
             <p:spPr>
               <a:xfrm>
-                <a:off x="10852900" y="434639"/>
+                <a:off x="10744043" y="420485"/>
                 <a:ext cx="475892" cy="1415400"/>
               </a:xfrm>
               <a:prstGeom prst="rect">
@@ -6103,9 +6194,9 @@
               <p14:cNvContentPartPr/>
               <p14:nvPr/>
             </p14:nvContentPartPr>
-            <p14:xfrm>
-              <a:off x="405135" y="4157312"/>
-              <a:ext cx="642319" cy="14154"/>
+            <p14:xfrm flipV="1">
+              <a:off x="1005116" y="3891730"/>
+              <a:ext cx="730923" cy="65589"/>
             </p14:xfrm>
           </p:contentPart>
         </mc:Choice>
@@ -6129,9 +6220,9 @@
               </a:stretch>
             </p:blipFill>
             <p:spPr>
-              <a:xfrm>
-                <a:off x="387143" y="3463766"/>
-                <a:ext cx="677943" cy="1415400"/>
+              <a:xfrm flipV="1">
+                <a:off x="987122" y="612280"/>
+                <a:ext cx="766551" cy="6558900"/>
               </a:xfrm>
               <a:prstGeom prst="rect">
                 <a:avLst/>
@@ -6154,8 +6245,8 @@
         </p:nvSpPr>
         <p:spPr>
           <a:xfrm>
-            <a:off x="-81626" y="3281553"/>
-            <a:ext cx="661972" cy="923330"/>
+            <a:off x="45374" y="3299696"/>
+            <a:ext cx="1224400" cy="923330"/>
           </a:xfrm>
           <a:prstGeom prst="rect">
             <a:avLst/>
@@ -6172,13 +6263,23 @@
           <a:lstStyle/>
           <a:p>
             <a:r>
+              <a:rPr lang="en-US" dirty="0" err="1">
+                <a:ea typeface="+mn-lt"/>
+                <a:cs typeface="+mn-lt"/>
+              </a:rPr>
+              <a:t>Acheter</a:t>
+            </a:r>
+            <a:r>
               <a:rPr lang="en-US" dirty="0">
-                <a:ea typeface="Calibri"/>
-                <a:cs typeface="Calibri"/>
-              </a:rPr>
-              <a:t>Buy new skin</a:t>
-            </a:r>
-            <a:endParaRPr lang="en-US" dirty="0"/>
+                <a:ea typeface="+mn-lt"/>
+                <a:cs typeface="+mn-lt"/>
+              </a:rPr>
+              <a:t> un nouveau skin</a:t>
+            </a:r>
+            <a:endParaRPr lang="en-US" dirty="0">
+              <a:ea typeface="Calibri"/>
+              <a:cs typeface="Calibri"/>
+            </a:endParaRPr>
           </a:p>
         </p:txBody>
       </p:sp>
@@ -6196,9 +6297,9 @@
               <p14:cNvContentPartPr/>
               <p14:nvPr/>
             </p14:nvContentPartPr>
-            <p14:xfrm>
-              <a:off x="429873" y="4220837"/>
-              <a:ext cx="2145841" cy="495406"/>
+            <p14:xfrm rot="-420000">
+              <a:off x="872052" y="4073585"/>
+              <a:ext cx="2455957" cy="530847"/>
             </p14:xfrm>
           </p:contentPart>
         </mc:Choice>
@@ -6222,9 +6323,9 @@
               </a:stretch>
             </p:blipFill>
             <p:spPr>
-              <a:xfrm>
-                <a:off x="412237" y="4203208"/>
-                <a:ext cx="2181473" cy="531023"/>
+              <a:xfrm rot="-420000">
+                <a:off x="854052" y="4055590"/>
+                <a:ext cx="2491598" cy="566477"/>
               </a:xfrm>
               <a:prstGeom prst="rect">
                 <a:avLst/>
@@ -6247,8 +6348,8 @@
         </p:nvSpPr>
         <p:spPr>
           <a:xfrm>
-            <a:off x="-87287" y="4310607"/>
-            <a:ext cx="1139931" cy="923330"/>
+            <a:off x="47730" y="4342673"/>
+            <a:ext cx="1221573" cy="646331"/>
           </a:xfrm>
           <a:prstGeom prst="rect">
             <a:avLst/>
@@ -6269,16 +6370,7 @@
                 <a:ea typeface="Calibri"/>
                 <a:cs typeface="Calibri"/>
               </a:rPr>
-              <a:t>Change skin</a:t>
-            </a:r>
-          </a:p>
-          <a:p>
-            <a:r>
-              <a:rPr lang="en-US" dirty="0">
-                <a:ea typeface="Calibri"/>
-                <a:cs typeface="Calibri"/>
-              </a:rPr>
-              <a:t>character</a:t>
+              <a:t>Changer de skin</a:t>
             </a:r>
           </a:p>
         </p:txBody>
@@ -6298,7 +6390,7 @@
               <p14:nvPr/>
             </p14:nvContentPartPr>
             <p14:xfrm>
-              <a:off x="10666180" y="3948207"/>
+              <a:off x="10508525" y="3755517"/>
               <a:ext cx="576340" cy="133058"/>
             </p14:xfrm>
           </p:contentPart>
@@ -6324,8 +6416,8 @@
             </p:blipFill>
             <p:spPr>
               <a:xfrm>
-                <a:off x="10648552" y="3930633"/>
-                <a:ext cx="611957" cy="168564"/>
+                <a:off x="10490526" y="3737585"/>
+                <a:ext cx="611979" cy="168564"/>
               </a:xfrm>
               <a:prstGeom prst="rect">
                 <a:avLst/>
@@ -6334,8 +6426,8 @@
           </p:pic>
         </mc:Fallback>
       </mc:AlternateContent>
-      <mc:AlternateContent xmlns:mc="http://schemas.openxmlformats.org/markup-compatibility/2006">
-        <mc:Choice xmlns:p14="http://schemas.microsoft.com/office/powerpoint/2010/main" Requires="p14">
+      <mc:AlternateContent xmlns:mc="http://schemas.openxmlformats.org/markup-compatibility/2006" xmlns:p14="http://schemas.microsoft.com/office/powerpoint/2010/main">
+        <mc:Choice Requires="p14">
           <p:contentPart p14:bwMode="auto" r:id="rId11">
             <p14:nvContentPartPr>
               <p14:cNvPr id="12" name="Ink 11">
@@ -6348,13 +6440,13 @@
               <p14:cNvContentPartPr/>
               <p14:nvPr/>
             </p14:nvContentPartPr>
-            <p14:xfrm>
-              <a:off x="9154818" y="4225038"/>
-              <a:ext cx="1672058" cy="248754"/>
+            <p14:xfrm rot="600000">
+              <a:off x="9076965" y="4156365"/>
+              <a:ext cx="1996126" cy="310063"/>
             </p14:xfrm>
           </p:contentPart>
         </mc:Choice>
-        <mc:Fallback>
+        <mc:Fallback xmlns="">
           <p:pic>
             <p:nvPicPr>
               <p:cNvPr id="12" name="Ink 11">
@@ -6374,9 +6466,9 @@
               </a:stretch>
             </p:blipFill>
             <p:spPr>
-              <a:xfrm>
-                <a:off x="9136823" y="4207064"/>
-                <a:ext cx="1707687" cy="284342"/>
+              <a:xfrm rot="600000">
+                <a:off x="9058969" y="4138380"/>
+                <a:ext cx="2031758" cy="345673"/>
               </a:xfrm>
               <a:prstGeom prst="rect">
                 <a:avLst/>
@@ -6399,8 +6491,8 @@
         </p:nvSpPr>
         <p:spPr>
           <a:xfrm>
-            <a:off x="10831363" y="3098952"/>
-            <a:ext cx="1379149" cy="923330"/>
+            <a:off x="11032811" y="3186538"/>
+            <a:ext cx="1519286" cy="923330"/>
           </a:xfrm>
           <a:prstGeom prst="rect">
             <a:avLst/>
@@ -6417,13 +6509,30 @@
           <a:lstStyle/>
           <a:p>
             <a:r>
+              <a:rPr lang="en-US" dirty="0" err="1">
+                <a:ea typeface="+mn-lt"/>
+                <a:cs typeface="+mn-lt"/>
+              </a:rPr>
+              <a:t>Acheter</a:t>
+            </a:r>
+            <a:r>
               <a:rPr lang="en-US" dirty="0">
-                <a:ea typeface="Calibri"/>
-                <a:cs typeface="Calibri"/>
-              </a:rPr>
-              <a:t>Buy new theme background</a:t>
-            </a:r>
-            <a:endParaRPr lang="en-US" dirty="0"/>
+                <a:ea typeface="+mn-lt"/>
+                <a:cs typeface="+mn-lt"/>
+              </a:rPr>
+              <a:t> un nouveau </a:t>
+            </a:r>
+            <a:r>
+              <a:rPr lang="en-US" dirty="0" err="1">
+                <a:ea typeface="+mn-lt"/>
+                <a:cs typeface="+mn-lt"/>
+              </a:rPr>
+              <a:t>thème</a:t>
+            </a:r>
+            <a:endParaRPr lang="en-US" dirty="0" err="1">
+              <a:ea typeface="Calibri"/>
+              <a:cs typeface="Calibri"/>
+            </a:endParaRPr>
           </a:p>
         </p:txBody>
       </p:sp>
@@ -6441,7 +6550,7 @@
         </p:nvSpPr>
         <p:spPr>
           <a:xfrm>
-            <a:off x="10835133" y="4231341"/>
+            <a:off x="11036581" y="4345203"/>
             <a:ext cx="1452754" cy="646331"/>
           </a:xfrm>
           <a:prstGeom prst="rect">
@@ -6463,9 +6572,15 @@
                 <a:ea typeface="Calibri"/>
                 <a:cs typeface="Calibri"/>
               </a:rPr>
-              <a:t>Change skin background</a:t>
-            </a:r>
-            <a:endParaRPr lang="en-US" dirty="0"/>
+              <a:t>Changer le </a:t>
+            </a:r>
+            <a:r>
+              <a:rPr lang="en-US" dirty="0" err="1">
+                <a:ea typeface="Calibri"/>
+                <a:cs typeface="Calibri"/>
+              </a:rPr>
+              <a:t>thème</a:t>
+            </a:r>
           </a:p>
         </p:txBody>
       </p:sp>
@@ -6484,8 +6599,8 @@
               <p14:nvPr/>
             </p14:nvContentPartPr>
             <p14:xfrm>
-              <a:off x="1958296" y="6168015"/>
-              <a:ext cx="271303" cy="323326"/>
+              <a:off x="2384654" y="5841444"/>
+              <a:ext cx="334802" cy="395897"/>
             </p14:xfrm>
           </p:contentPart>
         </mc:Choice>
@@ -6510,8 +6625,8 @@
             </p:blipFill>
             <p:spPr>
               <a:xfrm>
-                <a:off x="1940688" y="6150032"/>
-                <a:ext cx="306878" cy="358931"/>
+                <a:off x="2366654" y="5823825"/>
+                <a:ext cx="370442" cy="431495"/>
               </a:xfrm>
               <a:prstGeom prst="rect">
                 <a:avLst/>
@@ -6535,8 +6650,8 @@
               <p14:nvPr/>
             </p14:nvContentPartPr>
             <p14:xfrm>
-              <a:off x="3520389" y="6172701"/>
-              <a:ext cx="234909" cy="279954"/>
+              <a:off x="4019318" y="5837058"/>
+              <a:ext cx="434479" cy="397882"/>
             </p14:xfrm>
           </p:contentPart>
         </mc:Choice>
@@ -6561,8 +6676,8 @@
             </p:blipFill>
             <p:spPr>
               <a:xfrm>
-                <a:off x="3502789" y="6154732"/>
-                <a:ext cx="270469" cy="315532"/>
+                <a:off x="4001320" y="5819087"/>
+                <a:ext cx="470116" cy="433465"/>
               </a:xfrm>
               <a:prstGeom prst="rect">
                 <a:avLst/>
@@ -6585,7 +6700,7 @@
         </p:nvSpPr>
         <p:spPr>
           <a:xfrm>
-            <a:off x="108992" y="6309736"/>
+            <a:off x="1270135" y="6209950"/>
             <a:ext cx="2185499" cy="646331"/>
           </a:xfrm>
           <a:prstGeom prst="rect">
@@ -6603,30 +6718,34 @@
           <a:lstStyle/>
           <a:p>
             <a:r>
-              <a:rPr lang="en-US" dirty="0">
+              <a:rPr lang="en-US" dirty="0" err="1">
                 <a:ea typeface="Calibri"/>
                 <a:cs typeface="Calibri"/>
               </a:rPr>
-              <a:t>To previous store </a:t>
-            </a:r>
-            <a:endParaRPr lang="en-US" dirty="0"/>
-          </a:p>
-          <a:p>
-            <a:r>
-              <a:rPr lang="en-US" dirty="0">
-                <a:ea typeface="Calibri"/>
-                <a:cs typeface="Calibri"/>
-              </a:rPr>
-              <a:t>page </a:t>
+              <a:t>Vers</a:t>
             </a:r>
             <a:r>
               <a:rPr lang="en-US" dirty="0">
                 <a:ea typeface="+mn-lt"/>
                 <a:cs typeface="+mn-lt"/>
               </a:rPr>
-              <a:t>character</a:t>
-            </a:r>
-            <a:endParaRPr lang="en-US"/>
+              <a:t> la page </a:t>
+            </a:r>
+            <a:r>
+              <a:rPr lang="en-US" dirty="0" err="1">
+                <a:ea typeface="+mn-lt"/>
+                <a:cs typeface="+mn-lt"/>
+              </a:rPr>
+              <a:t>précédente</a:t>
+            </a:r>
+            <a:r>
+              <a:rPr lang="en-US" dirty="0">
+                <a:ea typeface="+mn-lt"/>
+                <a:cs typeface="+mn-lt"/>
+              </a:rPr>
+              <a:t> des skins</a:t>
+            </a:r>
+            <a:endParaRPr lang="fr-FR" dirty="0" err="1"/>
           </a:p>
         </p:txBody>
       </p:sp>
@@ -6644,8 +6763,8 @@
         </p:nvSpPr>
         <p:spPr>
           <a:xfrm>
-            <a:off x="3703838" y="6273876"/>
-            <a:ext cx="1773123" cy="646331"/>
+            <a:off x="3767338" y="6201618"/>
+            <a:ext cx="1957054" cy="646331"/>
           </a:xfrm>
           <a:prstGeom prst="rect">
             <a:avLst/>
@@ -6662,33 +6781,34 @@
           <a:lstStyle/>
           <a:p>
             <a:r>
+              <a:rPr lang="en-US" dirty="0" err="1">
+                <a:ea typeface="Calibri"/>
+                <a:cs typeface="Calibri"/>
+              </a:rPr>
+              <a:t>Vers</a:t>
+            </a:r>
+            <a:r>
               <a:rPr lang="en-US" dirty="0">
                 <a:ea typeface="Calibri"/>
                 <a:cs typeface="Calibri"/>
               </a:rPr>
-              <a:t>To next store </a:t>
-            </a:r>
-            <a:endParaRPr lang="en-US" dirty="0" err="1">
-              <a:ea typeface="Calibri"/>
-              <a:cs typeface="Calibri"/>
-            </a:endParaRPr>
-          </a:p>
-          <a:p>
-            <a:r>
-              <a:rPr lang="en-US" dirty="0">
-                <a:ea typeface="Calibri"/>
-                <a:cs typeface="Calibri"/>
-              </a:rPr>
-              <a:t>page </a:t>
+              <a:t> la page </a:t>
+            </a:r>
+            <a:r>
+              <a:rPr lang="en-US" dirty="0" err="1">
+                <a:ea typeface="+mn-lt"/>
+                <a:cs typeface="+mn-lt"/>
+              </a:rPr>
+              <a:t>suivante</a:t>
             </a:r>
             <a:r>
               <a:rPr lang="en-US" dirty="0">
                 <a:ea typeface="+mn-lt"/>
                 <a:cs typeface="+mn-lt"/>
               </a:rPr>
-              <a:t>character</a:t>
-            </a:r>
-            <a:endParaRPr lang="en-US">
+              <a:t> des skins</a:t>
+            </a:r>
+            <a:endParaRPr lang="en-US" dirty="0" err="1">
               <a:ea typeface="Calibri"/>
               <a:cs typeface="Calibri"/>
             </a:endParaRPr>
@@ -6710,8 +6830,8 @@
               <p14:nvPr/>
             </p14:nvContentPartPr>
             <p14:xfrm>
-              <a:off x="9095814" y="6190446"/>
-              <a:ext cx="214319" cy="255415"/>
+              <a:off x="9069538" y="5840101"/>
+              <a:ext cx="363215" cy="360518"/>
             </p14:xfrm>
           </p:contentPart>
         </mc:Choice>
@@ -6736,8 +6856,8 @@
             </p:blipFill>
             <p:spPr>
               <a:xfrm>
-                <a:off x="9077834" y="6172459"/>
-                <a:ext cx="249919" cy="291029"/>
+                <a:off x="9051575" y="5822129"/>
+                <a:ext cx="398782" cy="396103"/>
               </a:xfrm>
               <a:prstGeom prst="rect">
                 <a:avLst/>
@@ -6761,8 +6881,8 @@
               <p14:nvPr/>
             </p14:nvContentPartPr>
             <p14:xfrm>
-              <a:off x="7487226" y="6211082"/>
-              <a:ext cx="237869" cy="283481"/>
+              <a:off x="7513503" y="5878254"/>
+              <a:ext cx="290420" cy="353549"/>
             </p14:xfrm>
           </p:contentPart>
         </mc:Choice>
@@ -6787,8 +6907,8 @@
             </p:blipFill>
             <p:spPr>
               <a:xfrm>
-                <a:off x="7469260" y="6193454"/>
-                <a:ext cx="273442" cy="319096"/>
+                <a:off x="7495531" y="5860271"/>
+                <a:ext cx="326004" cy="389156"/>
               </a:xfrm>
               <a:prstGeom prst="rect">
                 <a:avLst/>
@@ -6811,8 +6931,8 @@
         </p:nvSpPr>
         <p:spPr>
           <a:xfrm>
-            <a:off x="5952092" y="6272934"/>
-            <a:ext cx="1723109" cy="646331"/>
+            <a:off x="5906109" y="6220382"/>
+            <a:ext cx="2539537" cy="646331"/>
           </a:xfrm>
           <a:prstGeom prst="rect">
             <a:avLst/>
@@ -6829,13 +6949,41 @@
           <a:lstStyle/>
           <a:p>
             <a:r>
+              <a:rPr lang="en-US" dirty="0" err="1">
+                <a:ea typeface="+mn-lt"/>
+                <a:cs typeface="+mn-lt"/>
+              </a:rPr>
+              <a:t>Vers</a:t>
+            </a:r>
+            <a:r>
               <a:rPr lang="en-US" dirty="0">
-                <a:ea typeface="Calibri"/>
-                <a:cs typeface="Calibri"/>
-              </a:rPr>
-              <a:t>To previous page theme</a:t>
-            </a:r>
-            <a:endParaRPr lang="en-US" dirty="0"/>
+                <a:ea typeface="+mn-lt"/>
+                <a:cs typeface="+mn-lt"/>
+              </a:rPr>
+              <a:t> la page </a:t>
+            </a:r>
+            <a:r>
+              <a:rPr lang="en-US" dirty="0" err="1">
+                <a:ea typeface="+mn-lt"/>
+                <a:cs typeface="+mn-lt"/>
+              </a:rPr>
+              <a:t>précédente</a:t>
+            </a:r>
+            <a:r>
+              <a:rPr lang="en-US" dirty="0">
+                <a:ea typeface="+mn-lt"/>
+                <a:cs typeface="+mn-lt"/>
+              </a:rPr>
+              <a:t> des </a:t>
+            </a:r>
+            <a:r>
+              <a:rPr lang="en-US" dirty="0" err="1">
+                <a:ea typeface="+mn-lt"/>
+                <a:cs typeface="+mn-lt"/>
+              </a:rPr>
+              <a:t>thèmes</a:t>
+            </a:r>
+            <a:endParaRPr lang="fr-FR" dirty="0" err="1"/>
           </a:p>
         </p:txBody>
       </p:sp>
@@ -6853,8 +7001,8 @@
         </p:nvSpPr>
         <p:spPr>
           <a:xfrm>
-            <a:off x="8668398" y="6272934"/>
-            <a:ext cx="1723109" cy="646331"/>
+            <a:off x="9106329" y="6211624"/>
+            <a:ext cx="2283660" cy="646331"/>
           </a:xfrm>
           <a:prstGeom prst="rect">
             <a:avLst/>
@@ -6871,25 +7019,41 @@
           <a:lstStyle/>
           <a:p>
             <a:r>
+              <a:rPr lang="en-US" dirty="0" err="1">
+                <a:ea typeface="Calibri"/>
+                <a:cs typeface="Calibri"/>
+              </a:rPr>
+              <a:t>Vers</a:t>
+            </a:r>
+            <a:r>
               <a:rPr lang="en-US" dirty="0">
                 <a:ea typeface="Calibri"/>
                 <a:cs typeface="Calibri"/>
               </a:rPr>
-              <a:t>To next </a:t>
-            </a:r>
-          </a:p>
-          <a:p>
+              <a:t> la page </a:t>
+            </a:r>
+            <a:r>
+              <a:rPr lang="en-US" dirty="0" err="1">
+                <a:ea typeface="Calibri"/>
+                <a:cs typeface="Calibri"/>
+              </a:rPr>
+              <a:t>suivante</a:t>
+            </a:r>
             <a:r>
               <a:rPr lang="en-US" dirty="0">
                 <a:ea typeface="Calibri"/>
                 <a:cs typeface="Calibri"/>
               </a:rPr>
-              <a:t>page theme</a:t>
-            </a:r>
-            <a:endParaRPr lang="en-US">
-              <a:ea typeface="Calibri"/>
-              <a:cs typeface="Calibri"/>
-            </a:endParaRPr>
+              <a:t> des </a:t>
+            </a:r>
+            <a:r>
+              <a:rPr lang="en-US" dirty="0" err="1">
+                <a:ea typeface="Calibri"/>
+                <a:cs typeface="Calibri"/>
+              </a:rPr>
+              <a:t>thèmes</a:t>
+            </a:r>
+            <a:endParaRPr lang="fr-FR" dirty="0" err="1"/>
           </a:p>
         </p:txBody>
       </p:sp>
@@ -6994,12 +7158,16 @@
                 <a:ea typeface="+mn-lt"/>
                 <a:cs typeface="+mn-lt"/>
               </a:rPr>
-              <a:t>Home Page</a:t>
-            </a:r>
-            <a:endParaRPr lang="fr-FR" dirty="0">
-              <a:ea typeface="+mn-lt"/>
-              <a:cs typeface="+mn-lt"/>
-            </a:endParaRPr>
+              <a:t>Page </a:t>
+            </a:r>
+            <a:r>
+              <a:rPr lang="en-US" dirty="0" err="1">
+                <a:ea typeface="+mn-lt"/>
+                <a:cs typeface="+mn-lt"/>
+              </a:rPr>
+              <a:t>d'accueil</a:t>
+            </a:r>
+            <a:endParaRPr lang="fr-FR" dirty="0" err="1"/>
           </a:p>
         </p:txBody>
       </p:sp>
@@ -7221,9 +7389,9 @@
               <p14:cNvContentPartPr/>
               <p14:nvPr/>
             </p14:nvContentPartPr>
-            <p14:xfrm>
-              <a:off x="5632926" y="5943053"/>
-              <a:ext cx="174106" cy="430928"/>
+            <p14:xfrm rot="-1080000">
+              <a:off x="6022786" y="5996216"/>
+              <a:ext cx="147524" cy="430928"/>
             </p14:xfrm>
           </p:contentPart>
         </mc:Choice>
@@ -7247,9 +7415,9 @@
               </a:stretch>
             </p:blipFill>
             <p:spPr>
-              <a:xfrm>
-                <a:off x="5614977" y="5925068"/>
-                <a:ext cx="209645" cy="466539"/>
+              <a:xfrm rot="-1080000">
+                <a:off x="6004839" y="5978231"/>
+                <a:ext cx="183059" cy="466539"/>
               </a:xfrm>
               <a:prstGeom prst="rect">
                 <a:avLst/>
@@ -7272,8 +7440,8 @@
         </p:nvSpPr>
         <p:spPr>
           <a:xfrm>
-            <a:off x="-4298" y="2869316"/>
-            <a:ext cx="1455473" cy="646331"/>
+            <a:off x="-4298" y="2769530"/>
+            <a:ext cx="1411171" cy="923330"/>
           </a:xfrm>
           <a:prstGeom prst="rect">
             <a:avLst/>
@@ -7295,12 +7463,30 @@
                 <a:ea typeface="+mn-lt"/>
                 <a:cs typeface="+mn-lt"/>
               </a:rPr>
-              <a:t>To the stage game page</a:t>
-            </a:r>
-            <a:endParaRPr lang="fr-FR" dirty="0" err="1">
-              <a:ea typeface="+mn-lt"/>
-              <a:cs typeface="+mn-lt"/>
-            </a:endParaRPr>
+              <a:t>Page de </a:t>
+            </a:r>
+            <a:r>
+              <a:rPr lang="en-US" dirty="0" err="1">
+                <a:ea typeface="+mn-lt"/>
+                <a:cs typeface="+mn-lt"/>
+              </a:rPr>
+              <a:t>lancement</a:t>
+            </a:r>
+            <a:r>
+              <a:rPr lang="en-US" dirty="0">
+                <a:ea typeface="+mn-lt"/>
+                <a:cs typeface="+mn-lt"/>
+              </a:rPr>
+              <a:t> </a:t>
+            </a:r>
+            <a:r>
+              <a:rPr lang="en-US">
+                <a:ea typeface="+mn-lt"/>
+                <a:cs typeface="+mn-lt"/>
+              </a:rPr>
+              <a:t>du jeu</a:t>
+            </a:r>
+            <a:endParaRPr lang="fr-FR"/>
           </a:p>
         </p:txBody>
       </p:sp>
@@ -7319,7 +7505,7 @@
         <p:spPr>
           <a:xfrm>
             <a:off x="-7744" y="4147671"/>
-            <a:ext cx="1377076" cy="646331"/>
+            <a:ext cx="1447959" cy="646331"/>
           </a:xfrm>
           <a:prstGeom prst="rect">
             <a:avLst/>
@@ -7337,13 +7523,30 @@
           <a:p>
             <a:pPr algn="ctr"/>
             <a:r>
+              <a:rPr lang="en-US" dirty="0" err="1">
+                <a:ea typeface="+mn-lt"/>
+                <a:cs typeface="+mn-lt"/>
+              </a:rPr>
+              <a:t>Vers</a:t>
+            </a:r>
+            <a:r>
               <a:rPr lang="en-US" dirty="0">
                 <a:ea typeface="+mn-lt"/>
                 <a:cs typeface="+mn-lt"/>
               </a:rPr>
-              <a:t>To the login page </a:t>
-            </a:r>
-            <a:endParaRPr lang="fr-FR" dirty="0"/>
+              <a:t> la page de </a:t>
+            </a:r>
+            <a:r>
+              <a:rPr lang="en-US" dirty="0" err="1">
+                <a:ea typeface="+mn-lt"/>
+                <a:cs typeface="+mn-lt"/>
+              </a:rPr>
+              <a:t>connexion</a:t>
+            </a:r>
+            <a:endParaRPr lang="fr-FR" dirty="0" err="1">
+              <a:ea typeface="+mn-lt"/>
+              <a:cs typeface="+mn-lt"/>
+            </a:endParaRPr>
           </a:p>
         </p:txBody>
       </p:sp>
@@ -7361,8 +7564,8 @@
         </p:nvSpPr>
         <p:spPr>
           <a:xfrm>
-            <a:off x="10737422" y="2814170"/>
-            <a:ext cx="1422665" cy="923330"/>
+            <a:off x="10595655" y="2814170"/>
+            <a:ext cx="1564432" cy="646331"/>
           </a:xfrm>
           <a:prstGeom prst="rect">
             <a:avLst/>
@@ -7380,13 +7583,27 @@
           <a:p>
             <a:pPr algn="ctr"/>
             <a:r>
+              <a:rPr lang="en-US" dirty="0" err="1">
+                <a:ea typeface="+mn-lt"/>
+                <a:cs typeface="+mn-lt"/>
+              </a:rPr>
+              <a:t>Vers</a:t>
+            </a:r>
+            <a:r>
               <a:rPr lang="en-US" dirty="0">
-                <a:ea typeface="Calibri"/>
-                <a:cs typeface="Calibri"/>
-              </a:rPr>
-              <a:t>To the leaderboard page </a:t>
-            </a:r>
-            <a:endParaRPr lang="fr-FR" dirty="0"/>
+                <a:ea typeface="+mn-lt"/>
+                <a:cs typeface="+mn-lt"/>
+              </a:rPr>
+              <a:t> la page du </a:t>
+            </a:r>
+            <a:r>
+              <a:rPr lang="en-US" dirty="0" err="1">
+                <a:ea typeface="+mn-lt"/>
+                <a:cs typeface="+mn-lt"/>
+              </a:rPr>
+              <a:t>classement</a:t>
+            </a:r>
+            <a:endParaRPr lang="fr-FR" dirty="0" err="1"/>
           </a:p>
         </p:txBody>
       </p:sp>
@@ -7423,12 +7640,27 @@
           <a:p>
             <a:pPr algn="ctr"/>
             <a:r>
+              <a:rPr lang="en-US" dirty="0" err="1">
+                <a:ea typeface="+mn-lt"/>
+                <a:cs typeface="+mn-lt"/>
+              </a:rPr>
+              <a:t>Vers</a:t>
+            </a:r>
+            <a:r>
               <a:rPr lang="en-US" dirty="0">
-                <a:ea typeface="Calibri"/>
-                <a:cs typeface="Calibri"/>
-              </a:rPr>
-              <a:t>To the register page</a:t>
-            </a:r>
+                <a:ea typeface="+mn-lt"/>
+                <a:cs typeface="+mn-lt"/>
+              </a:rPr>
+              <a:t> la page </a:t>
+            </a:r>
+            <a:r>
+              <a:rPr lang="en-US" dirty="0" err="1">
+                <a:ea typeface="+mn-lt"/>
+                <a:cs typeface="+mn-lt"/>
+              </a:rPr>
+              <a:t>d'inscription</a:t>
+            </a:r>
+            <a:endParaRPr lang="fr-FR" dirty="0" err="1"/>
           </a:p>
         </p:txBody>
       </p:sp>
@@ -7465,13 +7697,27 @@
           <a:p>
             <a:pPr algn="ctr"/>
             <a:r>
+              <a:rPr lang="en-US" dirty="0" err="1">
+                <a:ea typeface="+mn-lt"/>
+                <a:cs typeface="+mn-lt"/>
+              </a:rPr>
+              <a:t>Vers</a:t>
+            </a:r>
+            <a:r>
               <a:rPr lang="en-US" dirty="0">
-                <a:ea typeface="Calibri"/>
-                <a:cs typeface="Calibri"/>
-              </a:rPr>
-              <a:t>To the settings </a:t>
-            </a:r>
-            <a:endParaRPr lang="fr-FR" dirty="0"/>
+                <a:ea typeface="+mn-lt"/>
+                <a:cs typeface="+mn-lt"/>
+              </a:rPr>
+              <a:t> les </a:t>
+            </a:r>
+            <a:r>
+              <a:rPr lang="en-US" dirty="0" err="1">
+                <a:ea typeface="+mn-lt"/>
+                <a:cs typeface="+mn-lt"/>
+              </a:rPr>
+              <a:t>paramètres</a:t>
+            </a:r>
+            <a:endParaRPr lang="fr-FR" dirty="0" err="1"/>
           </a:p>
         </p:txBody>
       </p:sp>
@@ -7489,8 +7735,8 @@
         </p:nvSpPr>
         <p:spPr>
           <a:xfrm>
-            <a:off x="10706697" y="5635242"/>
-            <a:ext cx="1396215" cy="923330"/>
+            <a:off x="10107984" y="6043456"/>
+            <a:ext cx="2085643" cy="646331"/>
           </a:xfrm>
           <a:prstGeom prst="rect">
             <a:avLst/>
@@ -7508,23 +7754,34 @@
           <a:p>
             <a:pPr algn="ctr"/>
             <a:r>
+              <a:rPr lang="en-US" dirty="0" err="1">
+                <a:ea typeface="Calibri"/>
+                <a:cs typeface="Calibri"/>
+              </a:rPr>
+              <a:t>Activer</a:t>
+            </a:r>
+            <a:r>
               <a:rPr lang="en-US" dirty="0">
                 <a:ea typeface="Calibri"/>
                 <a:cs typeface="Calibri"/>
               </a:rPr>
-              <a:t>Mute/</a:t>
-            </a:r>
-            <a:endParaRPr lang="fr-FR" dirty="0"/>
-          </a:p>
-          <a:p>
-            <a:pPr algn="ctr"/>
+              <a:t>/</a:t>
+            </a:r>
+            <a:r>
+              <a:rPr lang="en-US" dirty="0" err="1">
+                <a:ea typeface="Calibri"/>
+                <a:cs typeface="Calibri"/>
+              </a:rPr>
+              <a:t>Désactiver</a:t>
+            </a:r>
             <a:r>
               <a:rPr lang="en-US" dirty="0">
                 <a:ea typeface="Calibri"/>
                 <a:cs typeface="Calibri"/>
               </a:rPr>
-              <a:t>Turn on music </a:t>
-            </a:r>
+              <a:t> le son</a:t>
+            </a:r>
+            <a:endParaRPr lang="fr-FR" dirty="0"/>
           </a:p>
         </p:txBody>
       </p:sp>
@@ -7542,7 +7799,7 @@
         </p:nvSpPr>
         <p:spPr>
           <a:xfrm>
-            <a:off x="4875064" y="6366140"/>
+            <a:off x="4837512" y="6392932"/>
             <a:ext cx="2624745" cy="369332"/>
           </a:xfrm>
           <a:prstGeom prst="rect">
@@ -7560,13 +7817,27 @@
           <a:lstStyle/>
           <a:p>
             <a:r>
+              <a:rPr lang="en-US" dirty="0" err="1">
+                <a:ea typeface="+mn-lt"/>
+                <a:cs typeface="+mn-lt"/>
+              </a:rPr>
+              <a:t>Vers</a:t>
+            </a:r>
+            <a:r>
               <a:rPr lang="en-US" dirty="0">
-                <a:ea typeface="Calibri"/>
-                <a:cs typeface="Calibri"/>
-              </a:rPr>
-              <a:t>To the credits page </a:t>
-            </a:r>
-            <a:endParaRPr lang="fr-FR" dirty="0"/>
+                <a:ea typeface="+mn-lt"/>
+                <a:cs typeface="+mn-lt"/>
+              </a:rPr>
+              <a:t> la page des </a:t>
+            </a:r>
+            <a:r>
+              <a:rPr lang="en-US" dirty="0" err="1">
+                <a:ea typeface="+mn-lt"/>
+                <a:cs typeface="+mn-lt"/>
+              </a:rPr>
+              <a:t>crédits</a:t>
+            </a:r>
+            <a:endParaRPr lang="fr-FR" dirty="0" err="1"/>
           </a:p>
         </p:txBody>
       </p:sp>
@@ -7637,7 +7908,7 @@
             </p14:nvContentPartPr>
             <p14:xfrm>
               <a:off x="10372547" y="5746190"/>
-              <a:ext cx="581710" cy="195891"/>
+              <a:ext cx="439942" cy="293356"/>
             </p14:xfrm>
           </p:contentPart>
         </mc:Choice>
@@ -7662,8 +7933,8 @@
             </p:blipFill>
             <p:spPr>
               <a:xfrm>
-                <a:off x="10354549" y="5728218"/>
-                <a:ext cx="617347" cy="231475"/>
+                <a:off x="10354546" y="5728215"/>
+                <a:ext cx="475584" cy="328947"/>
               </a:xfrm>
               <a:prstGeom prst="rect">
                 <a:avLst/>
@@ -7716,7 +7987,7 @@
         </p:nvSpPr>
         <p:spPr>
           <a:xfrm>
-            <a:off x="4416847" y="43430"/>
+            <a:off x="4298919" y="143216"/>
             <a:ext cx="3356411" cy="369332"/>
           </a:xfrm>
           <a:prstGeom prst="rect">
@@ -7739,12 +8010,58 @@
                 <a:ea typeface="+mn-lt"/>
                 <a:cs typeface="+mn-lt"/>
               </a:rPr>
-              <a:t>Home Page as connected</a:t>
-            </a:r>
-            <a:endParaRPr lang="fr-FR" dirty="0">
-              <a:ea typeface="Calibri" panose="020F0502020204030204"/>
-              <a:cs typeface="Calibri" panose="020F0502020204030204"/>
-            </a:endParaRPr>
+              <a:t>Page </a:t>
+            </a:r>
+            <a:r>
+              <a:rPr lang="en-US" dirty="0" err="1">
+                <a:ea typeface="+mn-lt"/>
+                <a:cs typeface="+mn-lt"/>
+              </a:rPr>
+              <a:t>d'accueil</a:t>
+            </a:r>
+            <a:r>
+              <a:rPr lang="en-US" dirty="0">
+                <a:ea typeface="+mn-lt"/>
+                <a:cs typeface="+mn-lt"/>
+              </a:rPr>
+              <a:t> </a:t>
+            </a:r>
+            <a:r>
+              <a:rPr lang="en-US" dirty="0" err="1">
+                <a:ea typeface="+mn-lt"/>
+                <a:cs typeface="+mn-lt"/>
+              </a:rPr>
+              <a:t>en</a:t>
+            </a:r>
+            <a:r>
+              <a:rPr lang="en-US" dirty="0">
+                <a:ea typeface="+mn-lt"/>
+                <a:cs typeface="+mn-lt"/>
+              </a:rPr>
+              <a:t> </a:t>
+            </a:r>
+            <a:r>
+              <a:rPr lang="en-US" dirty="0" err="1">
+                <a:ea typeface="+mn-lt"/>
+                <a:cs typeface="+mn-lt"/>
+              </a:rPr>
+              <a:t>étant</a:t>
+            </a:r>
+            <a:r>
+              <a:rPr lang="en-US" dirty="0">
+                <a:ea typeface="+mn-lt"/>
+                <a:cs typeface="+mn-lt"/>
+              </a:rPr>
+              <a:t> </a:t>
+            </a:r>
+            <a:r>
+              <a:rPr lang="en-US" dirty="0" err="1">
+                <a:ea typeface="+mn-lt"/>
+                <a:cs typeface="+mn-lt"/>
+              </a:rPr>
+              <a:t>connecté</a:t>
+            </a:r>
+            <a:endParaRPr lang="fr-FR" dirty="0" err="1"/>
           </a:p>
         </p:txBody>
       </p:sp>
@@ -7762,8 +8079,8 @@
         </p:nvSpPr>
         <p:spPr>
           <a:xfrm>
-            <a:off x="1264" y="3025053"/>
-            <a:ext cx="1364294" cy="646331"/>
+            <a:off x="-80379" y="2925267"/>
+            <a:ext cx="1364294" cy="923330"/>
           </a:xfrm>
           <a:prstGeom prst="rect">
             <a:avLst/>
@@ -7785,8 +8102,23 @@
                 <a:ea typeface="Calibri"/>
                 <a:cs typeface="Calibri"/>
               </a:rPr>
-              <a:t>To the stage game page</a:t>
-            </a:r>
+              <a:t>Page de </a:t>
+            </a:r>
+            <a:r>
+              <a:rPr lang="en-US" dirty="0" err="1">
+                <a:ea typeface="Calibri"/>
+                <a:cs typeface="Calibri"/>
+              </a:rPr>
+              <a:t>lancement</a:t>
+            </a:r>
+            <a:r>
+              <a:rPr lang="en-US" dirty="0">
+                <a:ea typeface="Calibri"/>
+                <a:cs typeface="Calibri"/>
+              </a:rPr>
+              <a:t> du jeu</a:t>
+            </a:r>
+            <a:endParaRPr lang="fr-FR" dirty="0"/>
           </a:p>
         </p:txBody>
       </p:sp>
@@ -7805,6 +8137,116 @@
         <p:spPr>
           <a:xfrm>
             <a:off x="-54141" y="4258912"/>
+            <a:ext cx="1407064" cy="923330"/>
+          </a:xfrm>
+          <a:prstGeom prst="rect">
+            <a:avLst/>
+          </a:prstGeom>
+          <a:noFill/>
+        </p:spPr>
+        <p:txBody>
+          <a:bodyPr rot="0" spcFirstLastPara="0" vertOverflow="overflow" horzOverflow="overflow" vert="horz" wrap="square" lIns="91440" tIns="45720" rIns="91440" bIns="45720" numCol="1" spcCol="0" rtlCol="0" fromWordArt="0" anchor="t" anchorCtr="0" forceAA="0" compatLnSpc="1">
+            <a:prstTxWarp prst="textNoShape">
+              <a:avLst/>
+            </a:prstTxWarp>
+            <a:spAutoFit/>
+          </a:bodyPr>
+          <a:lstStyle/>
+          <a:p>
+            <a:pPr algn="ctr"/>
+            <a:r>
+              <a:rPr lang="en-US" dirty="0" err="1">
+                <a:ea typeface="+mn-lt"/>
+                <a:cs typeface="+mn-lt"/>
+              </a:rPr>
+              <a:t>Vers</a:t>
+            </a:r>
+            <a:r>
+              <a:rPr lang="en-US" dirty="0">
+                <a:ea typeface="+mn-lt"/>
+                <a:cs typeface="+mn-lt"/>
+              </a:rPr>
+              <a:t> la page de la boutique</a:t>
+            </a:r>
+            <a:endParaRPr lang="fr-FR" dirty="0">
+              <a:ea typeface="Calibri" panose="020F0502020204030204"/>
+              <a:cs typeface="Calibri" panose="020F0502020204030204"/>
+            </a:endParaRPr>
+          </a:p>
+        </p:txBody>
+      </p:sp>
+      <p:sp>
+        <p:nvSpPr>
+          <p:cNvPr id="26" name="TextBox 25">
+            <a:extLst>
+              <a:ext uri="{FF2B5EF4-FFF2-40B4-BE49-F238E27FC236}">
+                <a16:creationId xmlns:a16="http://schemas.microsoft.com/office/drawing/2014/main" id="{69119BE2-D0A4-FE02-7700-80B7DD2B9B61}"/>
+              </a:ext>
+            </a:extLst>
+          </p:cNvPr>
+          <p:cNvSpPr txBox="1"/>
+          <p:nvPr/>
+        </p:nvSpPr>
+        <p:spPr>
+          <a:xfrm>
+            <a:off x="10692104" y="2926442"/>
+            <a:ext cx="1485321" cy="923330"/>
+          </a:xfrm>
+          <a:prstGeom prst="rect">
+            <a:avLst/>
+          </a:prstGeom>
+          <a:noFill/>
+        </p:spPr>
+        <p:txBody>
+          <a:bodyPr rot="0" spcFirstLastPara="0" vertOverflow="overflow" horzOverflow="overflow" vert="horz" wrap="square" lIns="91440" tIns="45720" rIns="91440" bIns="45720" numCol="1" spcCol="0" rtlCol="0" fromWordArt="0" anchor="t" anchorCtr="0" forceAA="0" compatLnSpc="1">
+            <a:prstTxWarp prst="textNoShape">
+              <a:avLst/>
+            </a:prstTxWarp>
+            <a:spAutoFit/>
+          </a:bodyPr>
+          <a:lstStyle/>
+          <a:p>
+            <a:pPr algn="ctr"/>
+            <a:r>
+              <a:rPr lang="en-US" dirty="0" err="1">
+                <a:ea typeface="Calibri"/>
+                <a:cs typeface="Calibri"/>
+              </a:rPr>
+              <a:t>Vers</a:t>
+            </a:r>
+            <a:r>
+              <a:rPr lang="en-US" dirty="0">
+                <a:ea typeface="Calibri"/>
+                <a:cs typeface="Calibri"/>
+              </a:rPr>
+              <a:t> la page du </a:t>
+            </a:r>
+            <a:r>
+              <a:rPr lang="en-US" dirty="0" err="1">
+                <a:ea typeface="Calibri"/>
+                <a:cs typeface="Calibri"/>
+              </a:rPr>
+              <a:t>classement</a:t>
+            </a:r>
+            <a:endParaRPr lang="fr-FR" dirty="0" err="1"/>
+          </a:p>
+        </p:txBody>
+      </p:sp>
+      <p:sp>
+        <p:nvSpPr>
+          <p:cNvPr id="27" name="TextBox 26">
+            <a:extLst>
+              <a:ext uri="{FF2B5EF4-FFF2-40B4-BE49-F238E27FC236}">
+                <a16:creationId xmlns:a16="http://schemas.microsoft.com/office/drawing/2014/main" id="{7DDFE001-24ED-B9ED-7114-D8DF62CBBB55}"/>
+              </a:ext>
+            </a:extLst>
+          </p:cNvPr>
+          <p:cNvSpPr txBox="1"/>
+          <p:nvPr/>
+        </p:nvSpPr>
+        <p:spPr>
+          <a:xfrm>
+            <a:off x="10774609" y="4195976"/>
             <a:ext cx="1318460" cy="646331"/>
           </a:xfrm>
           <a:prstGeom prst="rect">
@@ -7823,21 +8265,35 @@
           <a:p>
             <a:pPr algn="ctr"/>
             <a:r>
+              <a:rPr lang="en-US" dirty="0" err="1">
+                <a:ea typeface="Calibri"/>
+                <a:cs typeface="Calibri"/>
+              </a:rPr>
+              <a:t>Vers</a:t>
+            </a:r>
+            <a:r>
               <a:rPr lang="en-US" dirty="0">
                 <a:ea typeface="Calibri"/>
                 <a:cs typeface="Calibri"/>
               </a:rPr>
-              <a:t>To the store page</a:t>
-            </a:r>
-          </a:p>
-        </p:txBody>
-      </p:sp>
-      <p:sp>
-        <p:nvSpPr>
-          <p:cNvPr id="26" name="TextBox 25">
-            <a:extLst>
-              <a:ext uri="{FF2B5EF4-FFF2-40B4-BE49-F238E27FC236}">
-                <a16:creationId xmlns:a16="http://schemas.microsoft.com/office/drawing/2014/main" id="{69119BE2-D0A4-FE02-7700-80B7DD2B9B61}"/>
+              <a:t> la page </a:t>
+            </a:r>
+            <a:r>
+              <a:rPr lang="en-US" dirty="0" err="1">
+                <a:ea typeface="Calibri"/>
+                <a:cs typeface="Calibri"/>
+              </a:rPr>
+              <a:t>d'accueil</a:t>
+            </a:r>
+          </a:p>
+        </p:txBody>
+      </p:sp>
+      <p:sp>
+        <p:nvSpPr>
+          <p:cNvPr id="28" name="TextBox 27">
+            <a:extLst>
+              <a:ext uri="{FF2B5EF4-FFF2-40B4-BE49-F238E27FC236}">
+                <a16:creationId xmlns:a16="http://schemas.microsoft.com/office/drawing/2014/main" id="{823F33DD-4A1D-22C2-9430-BE4EC32A6390}"/>
               </a:ext>
             </a:extLst>
           </p:cNvPr>
@@ -7846,8 +8302,8 @@
         </p:nvSpPr>
         <p:spPr>
           <a:xfrm>
-            <a:off x="10637675" y="2826656"/>
-            <a:ext cx="1485321" cy="1200329"/>
+            <a:off x="10849071" y="5088507"/>
+            <a:ext cx="1318460" cy="646331"/>
           </a:xfrm>
           <a:prstGeom prst="rect">
             <a:avLst/>
@@ -7865,27 +8321,36 @@
           <a:p>
             <a:pPr algn="ctr"/>
             <a:r>
+              <a:rPr lang="en-US" dirty="0" err="1">
+                <a:ea typeface="Calibri"/>
+                <a:cs typeface="Calibri"/>
+              </a:rPr>
+              <a:t>Vers</a:t>
+            </a:r>
+            <a:r>
               <a:rPr lang="en-US" dirty="0">
                 <a:ea typeface="Calibri"/>
                 <a:cs typeface="Calibri"/>
               </a:rPr>
-              <a:t>To the leaderboard page</a:t>
-            </a:r>
-          </a:p>
-          <a:p>
-            <a:endParaRPr lang="en-US">
-              <a:ea typeface="Calibri"/>
-              <a:cs typeface="Calibri"/>
-            </a:endParaRPr>
-          </a:p>
-        </p:txBody>
-      </p:sp>
-      <p:sp>
-        <p:nvSpPr>
-          <p:cNvPr id="27" name="TextBox 26">
-            <a:extLst>
-              <a:ext uri="{FF2B5EF4-FFF2-40B4-BE49-F238E27FC236}">
-                <a16:creationId xmlns:a16="http://schemas.microsoft.com/office/drawing/2014/main" id="{7DDFE001-24ED-B9ED-7114-D8DF62CBBB55}"/>
+              <a:t> les </a:t>
+            </a:r>
+            <a:r>
+              <a:rPr lang="en-US" dirty="0" err="1">
+                <a:ea typeface="Calibri"/>
+                <a:cs typeface="Calibri"/>
+              </a:rPr>
+              <a:t>paramètres</a:t>
+            </a:r>
+            <a:endParaRPr lang="fr-FR" dirty="0" err="1"/>
+          </a:p>
+        </p:txBody>
+      </p:sp>
+      <p:sp>
+        <p:nvSpPr>
+          <p:cNvPr id="29" name="TextBox 28">
+            <a:extLst>
+              <a:ext uri="{FF2B5EF4-FFF2-40B4-BE49-F238E27FC236}">
+                <a16:creationId xmlns:a16="http://schemas.microsoft.com/office/drawing/2014/main" id="{AEAA03A7-AA27-A673-D3C4-2FF058D06706}"/>
               </a:ext>
             </a:extLst>
           </p:cNvPr>
@@ -7894,8 +8359,8 @@
         </p:nvSpPr>
         <p:spPr>
           <a:xfrm>
-            <a:off x="10711109" y="4195976"/>
-            <a:ext cx="1318460" cy="646331"/>
+            <a:off x="10117055" y="6134170"/>
+            <a:ext cx="2049357" cy="646331"/>
           </a:xfrm>
           <a:prstGeom prst="rect">
             <a:avLst/>
@@ -7913,21 +8378,43 @@
           <a:p>
             <a:pPr algn="ctr"/>
             <a:r>
+              <a:rPr lang="en-US" dirty="0" err="1">
+                <a:ea typeface="Calibri"/>
+                <a:cs typeface="Calibri"/>
+              </a:rPr>
+              <a:t>Activer</a:t>
+            </a:r>
+            <a:r>
               <a:rPr lang="en-US" dirty="0">
                 <a:ea typeface="Calibri"/>
                 <a:cs typeface="Calibri"/>
               </a:rPr>
-              <a:t>To the home page</a:t>
-            </a:r>
-          </a:p>
-        </p:txBody>
-      </p:sp>
-      <p:sp>
-        <p:nvSpPr>
-          <p:cNvPr id="28" name="TextBox 27">
-            <a:extLst>
-              <a:ext uri="{FF2B5EF4-FFF2-40B4-BE49-F238E27FC236}">
-                <a16:creationId xmlns:a16="http://schemas.microsoft.com/office/drawing/2014/main" id="{823F33DD-4A1D-22C2-9430-BE4EC32A6390}"/>
+              <a:t>/</a:t>
+            </a:r>
+            <a:r>
+              <a:rPr lang="en-US" dirty="0" err="1">
+                <a:ea typeface="Calibri"/>
+                <a:cs typeface="Calibri"/>
+              </a:rPr>
+              <a:t>Désactiver</a:t>
+            </a:r>
+            <a:r>
+              <a:rPr lang="en-US">
+                <a:ea typeface="Calibri"/>
+                <a:cs typeface="Calibri"/>
+              </a:rPr>
+              <a:t> le son</a:t>
+            </a:r>
+            <a:endParaRPr lang="fr-FR"/>
+          </a:p>
+        </p:txBody>
+      </p:sp>
+      <p:sp>
+        <p:nvSpPr>
+          <p:cNvPr id="2" name="TextBox 1">
+            <a:extLst>
+              <a:ext uri="{FF2B5EF4-FFF2-40B4-BE49-F238E27FC236}">
+                <a16:creationId xmlns:a16="http://schemas.microsoft.com/office/drawing/2014/main" id="{356CC4C1-F2DE-DBD7-25B7-DD241F5FD60A}"/>
               </a:ext>
             </a:extLst>
           </p:cNvPr>
@@ -7936,8 +8423,8 @@
         </p:nvSpPr>
         <p:spPr>
           <a:xfrm>
-            <a:off x="10776499" y="4925221"/>
-            <a:ext cx="1318460" cy="646331"/>
+            <a:off x="4784350" y="6375211"/>
+            <a:ext cx="2624745" cy="369332"/>
           </a:xfrm>
           <a:prstGeom prst="rect">
             <a:avLst/>
@@ -7955,113 +8442,27 @@
           <a:p>
             <a:pPr algn="ctr"/>
             <a:r>
+              <a:rPr lang="en-US" dirty="0" err="1">
+                <a:ea typeface="Calibri"/>
+                <a:cs typeface="Calibri"/>
+              </a:rPr>
+              <a:t>Vers</a:t>
+            </a:r>
+            <a:r>
               <a:rPr lang="en-US" dirty="0">
                 <a:ea typeface="Calibri"/>
                 <a:cs typeface="Calibri"/>
               </a:rPr>
-              <a:t>To the settings</a:t>
-            </a:r>
-            <a:endParaRPr lang="fr-FR" dirty="0"/>
-          </a:p>
-        </p:txBody>
-      </p:sp>
-      <p:sp>
-        <p:nvSpPr>
-          <p:cNvPr id="29" name="TextBox 28">
-            <a:extLst>
-              <a:ext uri="{FF2B5EF4-FFF2-40B4-BE49-F238E27FC236}">
-                <a16:creationId xmlns:a16="http://schemas.microsoft.com/office/drawing/2014/main" id="{AEAA03A7-AA27-A673-D3C4-2FF058D06706}"/>
-              </a:ext>
-            </a:extLst>
-          </p:cNvPr>
-          <p:cNvSpPr txBox="1"/>
-          <p:nvPr/>
-        </p:nvSpPr>
-        <p:spPr>
-          <a:xfrm>
-            <a:off x="10706697" y="5635242"/>
-            <a:ext cx="1396215" cy="923330"/>
-          </a:xfrm>
-          <a:prstGeom prst="rect">
-            <a:avLst/>
-          </a:prstGeom>
-          <a:noFill/>
-        </p:spPr>
-        <p:txBody>
-          <a:bodyPr rot="0" spcFirstLastPara="0" vertOverflow="overflow" horzOverflow="overflow" vert="horz" wrap="square" lIns="91440" tIns="45720" rIns="91440" bIns="45720" numCol="1" spcCol="0" rtlCol="0" fromWordArt="0" anchor="t" anchorCtr="0" forceAA="0" compatLnSpc="1">
-            <a:prstTxWarp prst="textNoShape">
-              <a:avLst/>
-            </a:prstTxWarp>
-            <a:spAutoFit/>
-          </a:bodyPr>
-          <a:lstStyle/>
-          <a:p>
-            <a:pPr algn="ctr"/>
-            <a:r>
-              <a:rPr lang="en-US" dirty="0">
+              <a:t> la page des </a:t>
+            </a:r>
+            <a:r>
+              <a:rPr lang="en-US" dirty="0" err="1">
                 <a:ea typeface="Calibri"/>
                 <a:cs typeface="Calibri"/>
               </a:rPr>
-              <a:t>Mute/</a:t>
-            </a:r>
-            <a:endParaRPr lang="fr-FR" dirty="0">
-              <a:ea typeface="Calibri"/>
-              <a:cs typeface="Calibri"/>
-            </a:endParaRPr>
-          </a:p>
-          <a:p>
-            <a:pPr algn="ctr"/>
-            <a:r>
-              <a:rPr lang="en-US" dirty="0">
-                <a:ea typeface="Calibri"/>
-                <a:cs typeface="Calibri"/>
-              </a:rPr>
-              <a:t>Turn on music</a:t>
-            </a:r>
-            <a:endParaRPr lang="en-US" dirty="0"/>
-          </a:p>
-        </p:txBody>
-      </p:sp>
-      <p:sp>
-        <p:nvSpPr>
-          <p:cNvPr id="2" name="TextBox 1">
-            <a:extLst>
-              <a:ext uri="{FF2B5EF4-FFF2-40B4-BE49-F238E27FC236}">
-                <a16:creationId xmlns:a16="http://schemas.microsoft.com/office/drawing/2014/main" id="{356CC4C1-F2DE-DBD7-25B7-DD241F5FD60A}"/>
-              </a:ext>
-            </a:extLst>
-          </p:cNvPr>
-          <p:cNvSpPr txBox="1"/>
-          <p:nvPr/>
-        </p:nvSpPr>
-        <p:spPr>
-          <a:xfrm>
-            <a:off x="4875064" y="6366140"/>
-            <a:ext cx="2624745" cy="369332"/>
-          </a:xfrm>
-          <a:prstGeom prst="rect">
-            <a:avLst/>
-          </a:prstGeom>
-          <a:noFill/>
-        </p:spPr>
-        <p:txBody>
-          <a:bodyPr rot="0" spcFirstLastPara="0" vertOverflow="overflow" horzOverflow="overflow" vert="horz" wrap="square" lIns="91440" tIns="45720" rIns="91440" bIns="45720" numCol="1" spcCol="0" rtlCol="0" fromWordArt="0" anchor="t" anchorCtr="0" forceAA="0" compatLnSpc="1">
-            <a:prstTxWarp prst="textNoShape">
-              <a:avLst/>
-            </a:prstTxWarp>
-            <a:spAutoFit/>
-          </a:bodyPr>
-          <a:lstStyle/>
-          <a:p>
-            <a:pPr algn="ctr"/>
-            <a:r>
-              <a:rPr lang="en-US" dirty="0">
-                <a:ea typeface="Calibri"/>
-                <a:cs typeface="Calibri"/>
-              </a:rPr>
-              <a:t>To the credit page</a:t>
-            </a:r>
-            <a:endParaRPr lang="fr-FR"/>
+              <a:t>crédits</a:t>
+            </a:r>
+            <a:endParaRPr lang="fr-FR" dirty="0" err="1"/>
           </a:p>
         </p:txBody>
       </p:sp>
@@ -8089,7 +8490,7 @@
         </p:blipFill>
         <p:spPr>
           <a:xfrm>
-            <a:off x="1319411" y="785522"/>
+            <a:off x="1264982" y="767379"/>
             <a:ext cx="9419686" cy="5302446"/>
           </a:xfrm>
         </p:spPr>
@@ -8211,8 +8612,8 @@
               <p14:nvPr/>
             </p14:nvContentPartPr>
             <p14:xfrm rot="1260000" flipV="1">
-              <a:off x="10531769" y="5806073"/>
-              <a:ext cx="487094" cy="32219"/>
+              <a:off x="10522288" y="5869886"/>
+              <a:ext cx="831808" cy="68504"/>
             </p14:xfrm>
           </p:contentPart>
         </mc:Choice>
@@ -8237,8 +8638,8 @@
             </p:blipFill>
             <p:spPr>
               <a:xfrm rot="1260000" flipV="1">
-                <a:off x="10513782" y="4195123"/>
-                <a:ext cx="522709" cy="3221900"/>
+                <a:off x="10504291" y="2513190"/>
+                <a:ext cx="867441" cy="6850400"/>
               </a:xfrm>
               <a:prstGeom prst="rect">
                 <a:avLst/>
@@ -8496,7 +8897,7 @@
         <p:spPr>
           <a:xfrm>
             <a:off x="5253430" y="43686"/>
-            <a:ext cx="1677975" cy="369332"/>
+            <a:ext cx="1846323" cy="369332"/>
           </a:xfrm>
           <a:prstGeom prst="rect">
             <a:avLst/>
@@ -8518,12 +8919,16 @@
                 <a:ea typeface="+mn-lt"/>
                 <a:cs typeface="+mn-lt"/>
               </a:rPr>
-              <a:t>Credit Page</a:t>
-            </a:r>
-            <a:endParaRPr lang="fr-FR" dirty="0">
-              <a:ea typeface="+mn-lt"/>
-              <a:cs typeface="+mn-lt"/>
-            </a:endParaRPr>
+              <a:t>Page des </a:t>
+            </a:r>
+            <a:r>
+              <a:rPr lang="en-US" dirty="0" err="1">
+                <a:ea typeface="+mn-lt"/>
+                <a:cs typeface="+mn-lt"/>
+              </a:rPr>
+              <a:t>crédits</a:t>
+            </a:r>
+            <a:endParaRPr lang="fr-FR" dirty="0" err="1"/>
           </a:p>
         </p:txBody>
       </p:sp>
@@ -8570,9 +8975,9 @@
               <p14:cNvContentPartPr/>
               <p14:nvPr/>
             </p14:nvContentPartPr>
-            <p14:xfrm>
-              <a:off x="10998278" y="1255578"/>
-              <a:ext cx="553471" cy="14154"/>
+            <p14:xfrm flipV="1">
+              <a:off x="11024860" y="1207709"/>
+              <a:ext cx="269936" cy="47869"/>
             </p14:xfrm>
           </p:contentPart>
         </mc:Choice>
@@ -8596,9 +9001,9 @@
               </a:stretch>
             </p:blipFill>
             <p:spPr>
-              <a:xfrm>
-                <a:off x="10980285" y="562032"/>
-                <a:ext cx="589098" cy="1415400"/>
+              <a:xfrm flipV="1">
+                <a:off x="11006864" y="-1137872"/>
+                <a:ext cx="305568" cy="4786900"/>
               </a:xfrm>
               <a:prstGeom prst="rect">
                 <a:avLst/>
@@ -8621,8 +9026,8 @@
         </p:nvSpPr>
         <p:spPr>
           <a:xfrm>
-            <a:off x="11356395" y="905435"/>
-            <a:ext cx="946011" cy="923330"/>
+            <a:off x="11247539" y="692994"/>
+            <a:ext cx="1027653" cy="1200329"/>
           </a:xfrm>
           <a:prstGeom prst="rect">
             <a:avLst/>
@@ -8643,9 +9048,29 @@
                 <a:ea typeface="Calibri"/>
                 <a:cs typeface="Calibri"/>
               </a:rPr>
-              <a:t>Back to home page</a:t>
-            </a:r>
-            <a:endParaRPr lang="en-US" dirty="0"/>
+              <a:t>Retour </a:t>
+            </a:r>
+            <a:r>
+              <a:rPr lang="en-US" dirty="0" err="1">
+                <a:ea typeface="Calibri"/>
+                <a:cs typeface="Calibri"/>
+              </a:rPr>
+              <a:t>vers</a:t>
+            </a:r>
+            <a:r>
+              <a:rPr lang="en-US" dirty="0">
+                <a:ea typeface="Calibri"/>
+                <a:cs typeface="Calibri"/>
+              </a:rPr>
+              <a:t> la page </a:t>
+            </a:r>
+            <a:r>
+              <a:rPr lang="en-US" dirty="0" err="1">
+                <a:ea typeface="Calibri"/>
+                <a:cs typeface="Calibri"/>
+              </a:rPr>
+              <a:t>d'accueil</a:t>
+            </a:r>
           </a:p>
         </p:txBody>
       </p:sp>
@@ -8663,8 +9088,8 @@
               <p14:cNvContentPartPr/>
               <p14:nvPr/>
             </p14:nvContentPartPr>
-            <p14:xfrm>
-              <a:off x="10969969" y="6110674"/>
+            <p14:xfrm rot="2040000">
+              <a:off x="10988112" y="6364674"/>
               <a:ext cx="459788" cy="14154"/>
             </p14:xfrm>
           </p:contentPart>
@@ -8689,9 +9114,9 @@
               </a:stretch>
             </p:blipFill>
             <p:spPr>
-              <a:xfrm>
-                <a:off x="10951980" y="5402974"/>
-                <a:ext cx="495405" cy="1415400"/>
+              <a:xfrm rot="2040000">
+                <a:off x="10970137" y="5656974"/>
+                <a:ext cx="495378" cy="1415400"/>
               </a:xfrm>
               <a:prstGeom prst="rect">
                 <a:avLst/>
@@ -8714,8 +9139,8 @@
         </p:nvSpPr>
         <p:spPr>
           <a:xfrm>
-            <a:off x="11002532" y="5653171"/>
-            <a:ext cx="1396215" cy="923330"/>
+            <a:off x="9034034" y="6496815"/>
+            <a:ext cx="3410071" cy="369332"/>
           </a:xfrm>
           <a:prstGeom prst="rect">
             <a:avLst/>
@@ -8733,32 +9158,42 @@
           <a:p>
             <a:pPr algn="ctr"/>
             <a:r>
+              <a:rPr lang="en-US" dirty="0" err="1">
+                <a:ea typeface="Calibri"/>
+                <a:cs typeface="Calibri"/>
+              </a:rPr>
+              <a:t>Activer</a:t>
+            </a:r>
+            <a:r>
               <a:rPr lang="en-US" dirty="0">
                 <a:ea typeface="Calibri"/>
                 <a:cs typeface="Calibri"/>
               </a:rPr>
-              <a:t>Mute/</a:t>
+              <a:t>/</a:t>
+            </a:r>
+            <a:r>
+              <a:rPr lang="en-US" dirty="0" err="1">
+                <a:ea typeface="Calibri"/>
+                <a:cs typeface="Calibri"/>
+              </a:rPr>
+              <a:t>Désactiver</a:t>
+            </a:r>
+            <a:r>
+              <a:rPr lang="en-US" dirty="0">
+                <a:ea typeface="Calibri"/>
+                <a:cs typeface="Calibri"/>
+              </a:rPr>
+              <a:t> le son</a:t>
             </a:r>
             <a:endParaRPr lang="fr-FR" dirty="0">
               <a:ea typeface="Calibri"/>
               <a:cs typeface="Calibri"/>
             </a:endParaRPr>
           </a:p>
-          <a:p>
-            <a:pPr algn="ctr"/>
-            <a:r>
-              <a:rPr lang="en-US" dirty="0">
-                <a:ea typeface="Calibri"/>
-                <a:cs typeface="Calibri"/>
-              </a:rPr>
-              <a:t>Turn on music</a:t>
-            </a:r>
-            <a:endParaRPr lang="en-US" dirty="0"/>
-          </a:p>
-        </p:txBody>
-      </p:sp>
-      <mc:AlternateContent xmlns:mc="http://schemas.openxmlformats.org/markup-compatibility/2006">
-        <mc:Choice xmlns:p14="http://schemas.microsoft.com/office/powerpoint/2010/main" Requires="p14">
+        </p:txBody>
+      </p:sp>
+      <mc:AlternateContent xmlns:mc="http://schemas.openxmlformats.org/markup-compatibility/2006" xmlns:p14="http://schemas.microsoft.com/office/powerpoint/2010/main">
+        <mc:Choice Requires="p14">
           <p:contentPart p14:bwMode="auto" r:id="rId7">
             <p14:nvContentPartPr>
               <p14:cNvPr id="6" name="Ink 5">
@@ -8771,13 +9206,13 @@
               <p14:cNvContentPartPr/>
               <p14:nvPr/>
             </p14:nvContentPartPr>
-            <p14:xfrm>
-              <a:off x="2650459" y="5545308"/>
-              <a:ext cx="1051889" cy="1051889"/>
+            <p14:xfrm rot="3060000">
+              <a:off x="2836766" y="5790517"/>
+              <a:ext cx="732912" cy="600005"/>
             </p14:xfrm>
           </p:contentPart>
         </mc:Choice>
-        <mc:Fallback>
+        <mc:Fallback xmlns="">
           <p:pic>
             <p:nvPicPr>
               <p:cNvPr id="6" name="Ink 5">
@@ -8797,9 +9232,9 @@
               </a:stretch>
             </p:blipFill>
             <p:spPr>
-              <a:xfrm>
-                <a:off x="2632826" y="5527315"/>
-                <a:ext cx="1087516" cy="1087516"/>
+              <a:xfrm rot="3060000">
+                <a:off x="2818776" y="5772531"/>
+                <a:ext cx="768532" cy="635617"/>
               </a:xfrm>
               <a:prstGeom prst="rect">
                 <a:avLst/>
@@ -8822,7 +9257,7 @@
         </p:nvSpPr>
         <p:spPr>
           <a:xfrm>
-            <a:off x="3645211" y="6504199"/>
+            <a:off x="2156653" y="6504199"/>
             <a:ext cx="2906638" cy="369332"/>
           </a:xfrm>
           <a:prstGeom prst="rect">
@@ -8841,12 +9276,26 @@
           <a:p>
             <a:r>
               <a:rPr lang="en-US" dirty="0">
-                <a:ea typeface="Calibri"/>
-                <a:cs typeface="Calibri"/>
-              </a:rPr>
-              <a:t>To email box</a:t>
-            </a:r>
-            <a:endParaRPr lang="en-US" dirty="0"/>
+                <a:ea typeface="+mn-lt"/>
+                <a:cs typeface="+mn-lt"/>
+              </a:rPr>
+              <a:t>Lien </a:t>
+            </a:r>
+            <a:r>
+              <a:rPr lang="en-US" dirty="0" err="1">
+                <a:ea typeface="+mn-lt"/>
+                <a:cs typeface="+mn-lt"/>
+              </a:rPr>
+              <a:t>vers</a:t>
+            </a:r>
+            <a:r>
+              <a:rPr lang="en-US" dirty="0">
+                <a:ea typeface="+mn-lt"/>
+                <a:cs typeface="+mn-lt"/>
+              </a:rPr>
+              <a:t> les e-mail</a:t>
+            </a:r>
+            <a:endParaRPr lang="fr-FR" dirty="0"/>
           </a:p>
         </p:txBody>
       </p:sp>
@@ -8894,7 +9343,7 @@
         </p:nvSpPr>
         <p:spPr>
           <a:xfrm>
-            <a:off x="5062931" y="126403"/>
+            <a:off x="5062931" y="135474"/>
             <a:ext cx="2065063" cy="369332"/>
           </a:xfrm>
           <a:prstGeom prst="rect">
@@ -8917,12 +9366,16 @@
                 <a:ea typeface="+mn-lt"/>
                 <a:cs typeface="+mn-lt"/>
               </a:rPr>
-              <a:t>Login Page</a:t>
-            </a:r>
-            <a:endParaRPr lang="fr-FR" dirty="0">
-              <a:ea typeface="+mn-lt"/>
-              <a:cs typeface="+mn-lt"/>
-            </a:endParaRPr>
+              <a:t>Page de </a:t>
+            </a:r>
+            <a:r>
+              <a:rPr lang="en-US" dirty="0" err="1">
+                <a:ea typeface="+mn-lt"/>
+                <a:cs typeface="+mn-lt"/>
+              </a:rPr>
+              <a:t>connexion</a:t>
+            </a:r>
+            <a:endParaRPr lang="fr-FR" dirty="0" err="1"/>
           </a:p>
         </p:txBody>
       </p:sp>
@@ -8948,8 +9401,8 @@
         </p:blipFill>
         <p:spPr>
           <a:xfrm>
-            <a:off x="738292" y="617312"/>
-            <a:ext cx="10713027" cy="6013678"/>
+            <a:off x="1028578" y="680811"/>
+            <a:ext cx="10132457" cy="5687108"/>
           </a:xfrm>
           <a:prstGeom prst="rect">
             <a:avLst/>
@@ -8970,8 +9423,8 @@
         </p:nvSpPr>
         <p:spPr>
           <a:xfrm>
-            <a:off x="11356395" y="905435"/>
-            <a:ext cx="946011" cy="923330"/>
+            <a:off x="11165896" y="941721"/>
+            <a:ext cx="1045796" cy="1200329"/>
           </a:xfrm>
           <a:prstGeom prst="rect">
             <a:avLst/>
@@ -8992,9 +9445,30 @@
                 <a:ea typeface="Calibri"/>
                 <a:cs typeface="Calibri"/>
               </a:rPr>
-              <a:t>Back to home page</a:t>
-            </a:r>
-            <a:endParaRPr lang="en-US" dirty="0"/>
+              <a:t>Retour </a:t>
+            </a:r>
+            <a:r>
+              <a:rPr lang="en-US" dirty="0" err="1">
+                <a:ea typeface="Calibri"/>
+                <a:cs typeface="Calibri"/>
+              </a:rPr>
+              <a:t>vers</a:t>
+            </a:r>
+            <a:r>
+              <a:rPr lang="en-US" dirty="0">
+                <a:ea typeface="Calibri"/>
+                <a:cs typeface="Calibri"/>
+              </a:rPr>
+              <a:t> la page </a:t>
+            </a:r>
+            <a:r>
+              <a:rPr lang="en-US" dirty="0" err="1">
+                <a:ea typeface="Calibri"/>
+                <a:cs typeface="Calibri"/>
+              </a:rPr>
+              <a:t>d'accueil</a:t>
+            </a:r>
+            <a:endParaRPr lang="fr-FR" dirty="0" err="1"/>
           </a:p>
         </p:txBody>
       </p:sp>
@@ -9013,7 +9487,7 @@
               <p14:nvPr/>
             </p14:nvContentPartPr>
             <p14:xfrm>
-              <a:off x="11153981" y="1298042"/>
+              <a:off x="10927195" y="1288971"/>
               <a:ext cx="315325" cy="14154"/>
             </p14:xfrm>
           </p:contentPart>
@@ -9039,7 +9513,7 @@
             </p:blipFill>
             <p:spPr>
               <a:xfrm>
-                <a:off x="11136004" y="590342"/>
+                <a:off x="10909218" y="581271"/>
                 <a:ext cx="350920" cy="1415400"/>
               </a:xfrm>
               <a:prstGeom prst="rect">
@@ -9065,7 +9539,7 @@
             </p14:nvContentPartPr>
             <p14:xfrm>
               <a:off x="6893386" y="4143157"/>
-              <a:ext cx="4600645" cy="14154"/>
+              <a:ext cx="4346646" cy="59511"/>
             </p14:xfrm>
           </p:contentPart>
         </mc:Choice>
@@ -9090,8 +9564,8 @@
             </p:blipFill>
             <p:spPr>
               <a:xfrm>
-                <a:off x="6875388" y="3435457"/>
-                <a:ext cx="4636281" cy="1415400"/>
+                <a:off x="6875387" y="1167607"/>
+                <a:ext cx="4382283" cy="5951100"/>
               </a:xfrm>
               <a:prstGeom prst="rect">
                 <a:avLst/>
@@ -9114,9 +9588,9 @@
               <p14:cNvContentPartPr/>
               <p14:nvPr/>
             </p14:nvContentPartPr>
-            <p14:xfrm>
-              <a:off x="11153981" y="6223912"/>
-              <a:ext cx="332132" cy="14154"/>
+            <p14:xfrm rot="2520000">
+              <a:off x="10821763" y="6313102"/>
+              <a:ext cx="422846" cy="50439"/>
             </p14:xfrm>
           </p:contentPart>
         </mc:Choice>
@@ -9140,9 +9614,9 @@
               </a:stretch>
             </p:blipFill>
             <p:spPr>
-              <a:xfrm>
-                <a:off x="11136008" y="5530366"/>
-                <a:ext cx="367718" cy="1415400"/>
+              <a:xfrm rot="2520000">
+                <a:off x="10803770" y="3791152"/>
+                <a:ext cx="458473" cy="5043900"/>
               </a:xfrm>
               <a:prstGeom prst="rect">
                 <a:avLst/>
@@ -9165,8 +9639,8 @@
         </p:nvSpPr>
         <p:spPr>
           <a:xfrm>
-            <a:off x="10993568" y="5706960"/>
-            <a:ext cx="1396215" cy="923330"/>
+            <a:off x="9324425" y="6414532"/>
+            <a:ext cx="3119786" cy="369332"/>
           </a:xfrm>
           <a:prstGeom prst="rect">
             <a:avLst/>
@@ -9184,27 +9658,34 @@
           <a:p>
             <a:pPr algn="ctr"/>
             <a:r>
+              <a:rPr lang="en-US" dirty="0" err="1">
+                <a:ea typeface="Calibri"/>
+                <a:cs typeface="Calibri"/>
+              </a:rPr>
+              <a:t>Activer</a:t>
+            </a:r>
+            <a:r>
               <a:rPr lang="en-US" dirty="0">
                 <a:ea typeface="Calibri"/>
                 <a:cs typeface="Calibri"/>
               </a:rPr>
-              <a:t>Mute/</a:t>
-            </a:r>
-            <a:endParaRPr lang="fr-FR" dirty="0">
-              <a:ea typeface="Calibri"/>
-              <a:cs typeface="Calibri"/>
-            </a:endParaRPr>
-          </a:p>
-          <a:p>
-            <a:pPr algn="ctr"/>
+              <a:t>/</a:t>
+            </a:r>
+            <a:r>
+              <a:rPr lang="en-US" dirty="0" err="1">
+                <a:ea typeface="Calibri"/>
+                <a:cs typeface="Calibri"/>
+              </a:rPr>
+              <a:t>Désactiver</a:t>
+            </a:r>
             <a:r>
               <a:rPr lang="en-US" dirty="0">
                 <a:ea typeface="Calibri"/>
                 <a:cs typeface="Calibri"/>
               </a:rPr>
-              <a:t>Turn on music</a:t>
-            </a:r>
-            <a:endParaRPr lang="en-US" dirty="0"/>
+              <a:t> le son</a:t>
+            </a:r>
+            <a:endParaRPr lang="fr-FR" dirty="0"/>
           </a:p>
         </p:txBody>
       </p:sp>
@@ -9223,8 +9704,8 @@
               <p14:nvPr/>
             </p14:nvContentPartPr>
             <p14:xfrm>
-              <a:off x="6637177" y="4715660"/>
-              <a:ext cx="5055513" cy="442300"/>
+              <a:off x="6691606" y="4634017"/>
+              <a:ext cx="4601942" cy="415086"/>
             </p14:xfrm>
           </p:contentPart>
         </mc:Choice>
@@ -9249,8 +9730,8 @@
             </p:blipFill>
             <p:spPr>
               <a:xfrm>
-                <a:off x="6619178" y="4697680"/>
-                <a:ext cx="5091151" cy="477900"/>
+                <a:off x="6673609" y="4616032"/>
+                <a:ext cx="4637577" cy="450696"/>
               </a:xfrm>
               <a:prstGeom prst="rect">
                 <a:avLst/>
@@ -9273,8 +9754,8 @@
         </p:nvSpPr>
         <p:spPr>
           <a:xfrm>
-            <a:off x="11321553" y="3500051"/>
-            <a:ext cx="948371" cy="923330"/>
+            <a:off x="11165440" y="3820503"/>
+            <a:ext cx="1158701" cy="646331"/>
           </a:xfrm>
           <a:prstGeom prst="rect">
             <a:avLst/>
@@ -9292,20 +9773,12 @@
           <a:p>
             <a:r>
               <a:rPr lang="en-US" dirty="0">
-                <a:ea typeface="Calibri"/>
-                <a:cs typeface="Calibri"/>
-              </a:rPr>
-              <a:t>To stage</a:t>
-            </a:r>
-          </a:p>
-          <a:p>
-            <a:r>
-              <a:rPr lang="en-US" dirty="0">
-                <a:ea typeface="Calibri"/>
-                <a:cs typeface="Calibri"/>
-              </a:rPr>
-              <a:t>Game page</a:t>
-            </a:r>
+                <a:ea typeface="+mn-lt"/>
+                <a:cs typeface="+mn-lt"/>
+              </a:rPr>
+              <a:t>Page du jeu</a:t>
+            </a:r>
+            <a:endParaRPr lang="fr-FR" dirty="0"/>
           </a:p>
         </p:txBody>
       </p:sp>
@@ -9323,8 +9796,8 @@
         </p:nvSpPr>
         <p:spPr>
           <a:xfrm>
-            <a:off x="11314009" y="4480932"/>
-            <a:ext cx="948371" cy="923330"/>
+            <a:off x="11064018" y="4979649"/>
+            <a:ext cx="1384641" cy="584775"/>
           </a:xfrm>
           <a:prstGeom prst="rect">
             <a:avLst/>
@@ -9341,13 +9814,37 @@
           <a:lstStyle/>
           <a:p>
             <a:r>
-              <a:rPr lang="en-US" dirty="0">
+              <a:rPr lang="en-US" sz="1600" dirty="0" err="1">
                 <a:ea typeface="Calibri"/>
                 <a:cs typeface="Calibri"/>
               </a:rPr>
-              <a:t>To register page</a:t>
-            </a:r>
-            <a:endParaRPr lang="en-US" dirty="0"/>
+              <a:t>Vers</a:t>
+            </a:r>
+            <a:r>
+              <a:rPr lang="en-US" sz="1600" dirty="0">
+                <a:ea typeface="Calibri"/>
+                <a:cs typeface="Calibri"/>
+              </a:rPr>
+              <a:t> la page</a:t>
+            </a:r>
+            <a:r>
+              <a:rPr lang="en-US" sz="1600" dirty="0">
+                <a:ea typeface="+mn-lt"/>
+                <a:cs typeface="+mn-lt"/>
+              </a:rPr>
+              <a:t> </a:t>
+            </a:r>
+            <a:r>
+              <a:rPr lang="en-US" sz="1600" dirty="0" err="1">
+                <a:ea typeface="+mn-lt"/>
+                <a:cs typeface="+mn-lt"/>
+              </a:rPr>
+              <a:t>d'inscription</a:t>
+            </a:r>
+            <a:endParaRPr lang="en-US" sz="1600" dirty="0" err="1">
+              <a:ea typeface="Calibri"/>
+              <a:cs typeface="Calibri"/>
+            </a:endParaRPr>
           </a:p>
         </p:txBody>
       </p:sp>
@@ -9395,7 +9892,7 @@
         </p:nvSpPr>
         <p:spPr>
           <a:xfrm>
-            <a:off x="4857392" y="85582"/>
+            <a:off x="5075106" y="121867"/>
             <a:ext cx="1952625" cy="369332"/>
           </a:xfrm>
           <a:prstGeom prst="rect">
@@ -9418,12 +9915,16 @@
                 <a:ea typeface="+mn-lt"/>
                 <a:cs typeface="+mn-lt"/>
               </a:rPr>
-              <a:t>Register Page</a:t>
-            </a:r>
-            <a:endParaRPr lang="fr-FR" dirty="0">
-              <a:ea typeface="+mn-lt"/>
-              <a:cs typeface="+mn-lt"/>
-            </a:endParaRPr>
+              <a:t>Page </a:t>
+            </a:r>
+            <a:r>
+              <a:rPr lang="en-US" dirty="0" err="1">
+                <a:ea typeface="+mn-lt"/>
+                <a:cs typeface="+mn-lt"/>
+              </a:rPr>
+              <a:t>d'inscription</a:t>
+            </a:r>
+            <a:endParaRPr lang="fr-FR" dirty="0" err="1"/>
           </a:p>
         </p:txBody>
       </p:sp>
@@ -9451,8 +9952,8 @@
         </p:blipFill>
         <p:spPr>
           <a:xfrm>
-            <a:off x="789214" y="606312"/>
-            <a:ext cx="10613569" cy="5966732"/>
+            <a:off x="1088571" y="642598"/>
+            <a:ext cx="10014855" cy="5631090"/>
           </a:xfrm>
         </p:spPr>
       </p:pic>
@@ -9470,8 +9971,8 @@
         </p:nvSpPr>
         <p:spPr>
           <a:xfrm>
-            <a:off x="11356395" y="905435"/>
-            <a:ext cx="946011" cy="923330"/>
+            <a:off x="11165895" y="1032435"/>
+            <a:ext cx="1073010" cy="1200329"/>
           </a:xfrm>
           <a:prstGeom prst="rect">
             <a:avLst/>
@@ -9492,9 +9993,30 @@
                 <a:ea typeface="Calibri"/>
                 <a:cs typeface="Calibri"/>
               </a:rPr>
-              <a:t>Back to home page</a:t>
-            </a:r>
-            <a:endParaRPr lang="en-US" dirty="0"/>
+              <a:t>Retour </a:t>
+            </a:r>
+            <a:r>
+              <a:rPr lang="en-US" dirty="0" err="1">
+                <a:ea typeface="Calibri"/>
+                <a:cs typeface="Calibri"/>
+              </a:rPr>
+              <a:t>vers</a:t>
+            </a:r>
+            <a:r>
+              <a:rPr lang="en-US" dirty="0">
+                <a:ea typeface="Calibri"/>
+                <a:cs typeface="Calibri"/>
+              </a:rPr>
+              <a:t> la page </a:t>
+            </a:r>
+            <a:r>
+              <a:rPr lang="en-US" dirty="0" err="1">
+                <a:ea typeface="Calibri"/>
+                <a:cs typeface="Calibri"/>
+              </a:rPr>
+              <a:t>d'accueil</a:t>
+            </a:r>
+            <a:endParaRPr lang="fr-FR" dirty="0" err="1"/>
           </a:p>
         </p:txBody>
       </p:sp>
@@ -9513,7 +10035,7 @@
               <p14:nvPr/>
             </p14:nvContentPartPr>
             <p14:xfrm>
-              <a:off x="11125671" y="1298042"/>
+              <a:off x="10898885" y="1361542"/>
               <a:ext cx="304419" cy="14154"/>
             </p14:xfrm>
           </p:contentPart>
@@ -9539,7 +10061,7 @@
             </p:blipFill>
             <p:spPr>
               <a:xfrm>
-                <a:off x="11107701" y="590342"/>
+                <a:off x="10880915" y="653842"/>
                 <a:ext cx="340000" cy="1415400"/>
               </a:xfrm>
               <a:prstGeom prst="rect">
@@ -9563,9 +10085,9 @@
               <p14:cNvContentPartPr/>
               <p14:nvPr/>
             </p14:nvContentPartPr>
-            <p14:xfrm>
-              <a:off x="6879231" y="4143157"/>
-              <a:ext cx="4740537" cy="14154"/>
+            <p14:xfrm rot="21240000">
+              <a:off x="6925910" y="3823648"/>
+              <a:ext cx="4187181" cy="59511"/>
             </p14:xfrm>
           </p:contentPart>
         </mc:Choice>
@@ -9589,9 +10111,9 @@
               </a:stretch>
             </p:blipFill>
             <p:spPr>
-              <a:xfrm>
-                <a:off x="6861592" y="3435457"/>
-                <a:ext cx="4776175" cy="1415400"/>
+              <a:xfrm rot="21240000">
+                <a:off x="6907911" y="848098"/>
+                <a:ext cx="4222818" cy="5951100"/>
               </a:xfrm>
               <a:prstGeom prst="rect">
                 <a:avLst/>
@@ -9614,9 +10136,9 @@
               <p14:cNvContentPartPr/>
               <p14:nvPr/>
             </p14:nvContentPartPr>
-            <p14:xfrm>
-              <a:off x="11168136" y="6223912"/>
-              <a:ext cx="355343" cy="14154"/>
+            <p14:xfrm rot="2580000" flipV="1">
+              <a:off x="10786294" y="6276489"/>
+              <a:ext cx="545842" cy="58417"/>
             </p14:xfrm>
           </p:contentPart>
         </mc:Choice>
@@ -9640,9 +10162,9 @@
               </a:stretch>
             </p:blipFill>
             <p:spPr>
-              <a:xfrm>
-                <a:off x="11150513" y="5530366"/>
-                <a:ext cx="390949" cy="1415400"/>
+              <a:xfrm rot="2580000" flipV="1">
+                <a:off x="10768303" y="3414056"/>
+                <a:ext cx="581464" cy="5841700"/>
               </a:xfrm>
               <a:prstGeom prst="rect">
                 <a:avLst/>
@@ -9665,8 +10187,8 @@
         </p:nvSpPr>
         <p:spPr>
           <a:xfrm>
-            <a:off x="11022414" y="5644207"/>
-            <a:ext cx="1396215" cy="923330"/>
+            <a:off x="9498414" y="6397135"/>
+            <a:ext cx="2793214" cy="369332"/>
           </a:xfrm>
           <a:prstGeom prst="rect">
             <a:avLst/>
@@ -9684,27 +10206,34 @@
           <a:p>
             <a:pPr algn="ctr"/>
             <a:r>
+              <a:rPr lang="en-US" dirty="0" err="1">
+                <a:ea typeface="Calibri"/>
+                <a:cs typeface="Calibri"/>
+              </a:rPr>
+              <a:t>Activer</a:t>
+            </a:r>
+            <a:r>
               <a:rPr lang="en-US" dirty="0">
                 <a:ea typeface="Calibri"/>
                 <a:cs typeface="Calibri"/>
               </a:rPr>
-              <a:t>Mute/</a:t>
-            </a:r>
-            <a:endParaRPr lang="fr-FR" dirty="0">
-              <a:ea typeface="Calibri"/>
-              <a:cs typeface="Calibri"/>
-            </a:endParaRPr>
-          </a:p>
-          <a:p>
-            <a:pPr algn="ctr"/>
+              <a:t>/</a:t>
+            </a:r>
+            <a:r>
+              <a:rPr lang="en-US" dirty="0" err="1">
+                <a:ea typeface="Calibri"/>
+                <a:cs typeface="Calibri"/>
+              </a:rPr>
+              <a:t>Désactiver</a:t>
+            </a:r>
             <a:r>
               <a:rPr lang="en-US" dirty="0">
                 <a:ea typeface="Calibri"/>
                 <a:cs typeface="Calibri"/>
               </a:rPr>
-              <a:t>Turn on music</a:t>
-            </a:r>
-            <a:endParaRPr lang="en-US" dirty="0"/>
+              <a:t> le son</a:t>
+            </a:r>
+            <a:endParaRPr lang="fr-FR" dirty="0"/>
           </a:p>
         </p:txBody>
       </p:sp>
@@ -9722,8 +10251,8 @@
         </p:nvSpPr>
         <p:spPr>
           <a:xfrm>
-            <a:off x="11288535" y="3236258"/>
-            <a:ext cx="948371" cy="923330"/>
+            <a:off x="11098035" y="3145544"/>
+            <a:ext cx="1211442" cy="923330"/>
           </a:xfrm>
           <a:prstGeom prst="rect">
             <a:avLst/>
@@ -9744,17 +10273,23 @@
                 <a:ea typeface="Calibri"/>
                 <a:cs typeface="Calibri"/>
               </a:rPr>
-              <a:t>To stage</a:t>
-            </a:r>
-          </a:p>
-          <a:p>
+              <a:t>Page de </a:t>
+            </a:r>
+            <a:r>
+              <a:rPr lang="en-US" dirty="0" err="1">
+                <a:ea typeface="Calibri"/>
+                <a:cs typeface="Calibri"/>
+              </a:rPr>
+              <a:t>lancement</a:t>
+            </a:r>
             <a:r>
               <a:rPr lang="en-US" dirty="0">
                 <a:ea typeface="Calibri"/>
                 <a:cs typeface="Calibri"/>
               </a:rPr>
-              <a:t>Game page</a:t>
-            </a:r>
+              <a:t> du jeu</a:t>
+            </a:r>
+            <a:endParaRPr lang="fr-FR" dirty="0"/>
           </a:p>
         </p:txBody>
       </p:sp>
@@ -9773,8 +10308,8 @@
               <p14:nvPr/>
             </p14:nvContentPartPr>
             <p14:xfrm>
-              <a:off x="7259912" y="4645758"/>
-              <a:ext cx="4209005" cy="368240"/>
+              <a:off x="7287126" y="4500615"/>
+              <a:ext cx="3882434" cy="341026"/>
             </p14:xfrm>
           </p:contentPart>
         </mc:Choice>
@@ -9799,8 +10334,8 @@
             </p:blipFill>
             <p:spPr>
               <a:xfrm>
-                <a:off x="7241914" y="4628137"/>
-                <a:ext cx="4244641" cy="403841"/>
+                <a:off x="7269128" y="4482628"/>
+                <a:ext cx="3918069" cy="376639"/>
               </a:xfrm>
               <a:prstGeom prst="rect">
                 <a:avLst/>
@@ -9823,8 +10358,8 @@
         </p:nvSpPr>
         <p:spPr>
           <a:xfrm>
-            <a:off x="11428112" y="4504056"/>
-            <a:ext cx="806823" cy="923330"/>
+            <a:off x="11101541" y="4404270"/>
+            <a:ext cx="1215037" cy="923330"/>
           </a:xfrm>
           <a:prstGeom prst="rect">
             <a:avLst/>
@@ -9841,13 +10376,26 @@
           <a:lstStyle/>
           <a:p>
             <a:r>
+              <a:rPr lang="en-US" dirty="0" err="1">
+                <a:ea typeface="Calibri"/>
+                <a:cs typeface="Calibri"/>
+              </a:rPr>
+              <a:t>Vers</a:t>
+            </a:r>
+            <a:r>
               <a:rPr lang="en-US" dirty="0">
                 <a:ea typeface="Calibri"/>
                 <a:cs typeface="Calibri"/>
               </a:rPr>
-              <a:t>To login page</a:t>
-            </a:r>
-            <a:endParaRPr lang="en-US" dirty="0"/>
+              <a:t> la page de </a:t>
+            </a:r>
+            <a:r>
+              <a:rPr lang="en-US" dirty="0" err="1">
+                <a:ea typeface="Calibri"/>
+                <a:cs typeface="Calibri"/>
+              </a:rPr>
+              <a:t>connexion</a:t>
+            </a:r>
           </a:p>
         </p:txBody>
       </p:sp>
@@ -9895,7 +10443,7 @@
         </p:nvSpPr>
         <p:spPr>
           <a:xfrm>
-            <a:off x="4597698" y="141341"/>
+            <a:off x="4597698" y="150412"/>
             <a:ext cx="2992709" cy="369332"/>
           </a:xfrm>
           <a:prstGeom prst="rect">
@@ -9918,7 +10466,21 @@
                 <a:ea typeface="+mn-lt"/>
                 <a:cs typeface="+mn-lt"/>
               </a:rPr>
-              <a:t>Stage Game Page</a:t>
+              <a:t>Page de </a:t>
+            </a:r>
+            <a:r>
+              <a:rPr lang="en-US" dirty="0" err="1">
+                <a:ea typeface="+mn-lt"/>
+                <a:cs typeface="+mn-lt"/>
+              </a:rPr>
+              <a:t>lancement</a:t>
+            </a:r>
+            <a:r>
+              <a:rPr lang="en-US" dirty="0">
+                <a:ea typeface="+mn-lt"/>
+                <a:cs typeface="+mn-lt"/>
+              </a:rPr>
+              <a:t> du jeu</a:t>
             </a:r>
             <a:endParaRPr lang="fr-FR" dirty="0">
               <a:ea typeface="+mn-lt"/>
@@ -10073,8 +10635,8 @@
         </p:nvSpPr>
         <p:spPr>
           <a:xfrm>
-            <a:off x="-55203" y="1346121"/>
-            <a:ext cx="1143234" cy="923330"/>
+            <a:off x="-774" y="1364264"/>
+            <a:ext cx="1025306" cy="923330"/>
           </a:xfrm>
           <a:prstGeom prst="rect">
             <a:avLst/>
@@ -10091,13 +10653,23 @@
           <a:lstStyle/>
           <a:p>
             <a:r>
+              <a:rPr lang="en-US" dirty="0" err="1">
+                <a:ea typeface="+mn-lt"/>
+                <a:cs typeface="+mn-lt"/>
+              </a:rPr>
+              <a:t>Afficher</a:t>
+            </a:r>
+            <a:r>
               <a:rPr lang="en-US" dirty="0">
-                <a:ea typeface="Calibri"/>
-                <a:cs typeface="Calibri"/>
-              </a:rPr>
-              <a:t>Display pause page</a:t>
-            </a:r>
-            <a:endParaRPr lang="en-US" dirty="0"/>
+                <a:ea typeface="+mn-lt"/>
+                <a:cs typeface="+mn-lt"/>
+              </a:rPr>
+              <a:t> la page de pause</a:t>
+            </a:r>
+            <a:endParaRPr lang="fr-FR" dirty="0">
+              <a:ea typeface="+mn-lt"/>
+              <a:cs typeface="+mn-lt"/>
+            </a:endParaRPr>
           </a:p>
         </p:txBody>
       </p:sp>
@@ -10115,8 +10687,8 @@
         </p:nvSpPr>
         <p:spPr>
           <a:xfrm>
-            <a:off x="11294114" y="3255603"/>
-            <a:ext cx="721893" cy="646331"/>
+            <a:off x="11167114" y="3246532"/>
+            <a:ext cx="1148250" cy="646331"/>
           </a:xfrm>
           <a:prstGeom prst="rect">
             <a:avLst/>
@@ -10133,13 +10705,20 @@
           <a:lstStyle/>
           <a:p>
             <a:r>
+              <a:rPr lang="en-US" dirty="0" err="1">
+                <a:ea typeface="+mn-lt"/>
+                <a:cs typeface="+mn-lt"/>
+              </a:rPr>
+              <a:t>Démarrer</a:t>
+            </a:r>
+            <a:r>
               <a:rPr lang="en-US" dirty="0">
-                <a:ea typeface="Calibri"/>
-                <a:cs typeface="Calibri"/>
-              </a:rPr>
-              <a:t>Start game</a:t>
-            </a:r>
-            <a:endParaRPr lang="en-US" dirty="0"/>
+                <a:ea typeface="+mn-lt"/>
+                <a:cs typeface="+mn-lt"/>
+              </a:rPr>
+              <a:t> jeu</a:t>
+            </a:r>
+            <a:endParaRPr lang="fr-FR" dirty="0"/>
           </a:p>
         </p:txBody>
       </p:sp>
@@ -10195,8 +10774,8 @@
         </p:blipFill>
         <p:spPr>
           <a:xfrm>
-            <a:off x="377899" y="449274"/>
-            <a:ext cx="11056696" cy="6181338"/>
+            <a:off x="1003828" y="712344"/>
+            <a:ext cx="10194911" cy="5700553"/>
           </a:xfrm>
           <a:prstGeom prst="rect">
             <a:avLst/>
@@ -10217,7 +10796,7 @@
         </p:nvSpPr>
         <p:spPr>
           <a:xfrm>
-            <a:off x="4955400" y="85582"/>
+            <a:off x="4919114" y="158153"/>
             <a:ext cx="2284778" cy="369332"/>
           </a:xfrm>
           <a:prstGeom prst="rect">
@@ -10236,16 +10815,13 @@
           <a:p>
             <a:pPr algn="ctr"/>
             <a:r>
-              <a:rPr lang="en-US">
+              <a:rPr lang="en-US" dirty="0">
                 <a:ea typeface="+mn-lt"/>
                 <a:cs typeface="+mn-lt"/>
               </a:rPr>
-              <a:t>Game Page</a:t>
-            </a:r>
-            <a:endParaRPr lang="fr-FR">
-              <a:ea typeface="+mn-lt"/>
-              <a:cs typeface="+mn-lt"/>
-            </a:endParaRPr>
+              <a:t>Page du jeu</a:t>
+            </a:r>
+            <a:endParaRPr lang="fr-FR" dirty="0"/>
           </a:p>
         </p:txBody>
       </p:sp>
@@ -10264,7 +10840,7 @@
               <p14:nvPr/>
             </p14:nvContentPartPr>
             <p14:xfrm>
-              <a:off x="304319" y="1524519"/>
+              <a:off x="912105" y="1696876"/>
               <a:ext cx="544968" cy="14154"/>
             </p14:xfrm>
           </p:contentPart>
@@ -10290,7 +10866,7 @@
             </p:blipFill>
             <p:spPr>
               <a:xfrm>
-                <a:off x="286333" y="830973"/>
+                <a:off x="894119" y="989176"/>
                 <a:ext cx="580580" cy="1415400"/>
               </a:xfrm>
               <a:prstGeom prst="rect">
@@ -10314,8 +10890,8 @@
         </p:nvSpPr>
         <p:spPr>
           <a:xfrm>
-            <a:off x="-73132" y="1157862"/>
-            <a:ext cx="1143234" cy="923330"/>
+            <a:off x="-560" y="1292668"/>
+            <a:ext cx="1088806" cy="923330"/>
           </a:xfrm>
           <a:prstGeom prst="rect">
             <a:avLst/>
@@ -10332,13 +10908,23 @@
           <a:lstStyle/>
           <a:p>
             <a:r>
+              <a:rPr lang="en-US" dirty="0" err="1">
+                <a:ea typeface="+mn-lt"/>
+                <a:cs typeface="+mn-lt"/>
+              </a:rPr>
+              <a:t>Afficher</a:t>
+            </a:r>
+            <a:r>
               <a:rPr lang="en-US" dirty="0">
-                <a:ea typeface="Calibri"/>
-                <a:cs typeface="Calibri"/>
-              </a:rPr>
-              <a:t>Display pause page</a:t>
-            </a:r>
-            <a:endParaRPr lang="en-US" dirty="0"/>
+                <a:ea typeface="+mn-lt"/>
+                <a:cs typeface="+mn-lt"/>
+              </a:rPr>
+              <a:t> le menu de pause</a:t>
+            </a:r>
+            <a:endParaRPr lang="fr-FR" dirty="0">
+              <a:ea typeface="+mn-lt"/>
+              <a:cs typeface="+mn-lt"/>
+            </a:endParaRPr>
           </a:p>
         </p:txBody>
       </p:sp>
@@ -10416,8 +11002,8 @@
         </p:nvSpPr>
         <p:spPr>
           <a:xfrm>
-            <a:off x="4857392" y="85582"/>
-            <a:ext cx="2558317" cy="369332"/>
+            <a:off x="4213321" y="67439"/>
+            <a:ext cx="3864602" cy="369332"/>
           </a:xfrm>
           <a:prstGeom prst="rect">
             <a:avLst/>
@@ -10439,11 +11025,32 @@
                 <a:ea typeface="+mn-lt"/>
                 <a:cs typeface="+mn-lt"/>
               </a:rPr>
-              <a:t>Game Page Dead Screen</a:t>
-            </a:r>
-            <a:endParaRPr lang="fr-FR" dirty="0">
-              <a:ea typeface="Calibri" panose="020F0502020204030204"/>
-              <a:cs typeface="Calibri" panose="020F0502020204030204"/>
+              <a:t>Page </a:t>
+            </a:r>
+            <a:r>
+              <a:rPr lang="en-US" dirty="0" err="1">
+                <a:ea typeface="+mn-lt"/>
+                <a:cs typeface="+mn-lt"/>
+              </a:rPr>
+              <a:t>écrant</a:t>
+            </a:r>
+            <a:r>
+              <a:rPr lang="en-US" dirty="0">
+                <a:ea typeface="+mn-lt"/>
+                <a:cs typeface="+mn-lt"/>
+              </a:rPr>
+              <a:t> de mort du </a:t>
+            </a:r>
+            <a:r>
+              <a:rPr lang="en-US" dirty="0" err="1">
+                <a:ea typeface="+mn-lt"/>
+                <a:cs typeface="+mn-lt"/>
+              </a:rPr>
+              <a:t>personnage</a:t>
+            </a:r>
+            <a:endParaRPr lang="fr-FR" dirty="0" err="1">
+              <a:ea typeface="Calibri"/>
+              <a:cs typeface="Calibri"/>
             </a:endParaRPr>
           </a:p>
         </p:txBody>
@@ -10564,8 +11171,8 @@
         </p:nvSpPr>
         <p:spPr>
           <a:xfrm>
-            <a:off x="844294" y="4202816"/>
-            <a:ext cx="1364294" cy="646331"/>
+            <a:off x="826151" y="4066745"/>
+            <a:ext cx="1554793" cy="923330"/>
           </a:xfrm>
           <a:prstGeom prst="rect">
             <a:avLst/>
@@ -10584,12 +11191,36 @@
             <a:pPr algn="ctr"/>
             <a:r>
               <a:rPr lang="en-US" dirty="0">
-                <a:ea typeface="Calibri"/>
-                <a:cs typeface="Calibri"/>
-              </a:rPr>
-              <a:t>Start a new game</a:t>
-            </a:r>
-            <a:endParaRPr lang="fr-FR" dirty="0"/>
+                <a:ea typeface="+mn-lt"/>
+                <a:cs typeface="+mn-lt"/>
+              </a:rPr>
+              <a:t>Commencer </a:t>
+            </a:r>
+            <a:r>
+              <a:rPr lang="en-US" dirty="0" err="1">
+                <a:ea typeface="+mn-lt"/>
+                <a:cs typeface="+mn-lt"/>
+              </a:rPr>
+              <a:t>une</a:t>
+            </a:r>
+            <a:r>
+              <a:rPr lang="en-US" dirty="0">
+                <a:ea typeface="+mn-lt"/>
+                <a:cs typeface="+mn-lt"/>
+              </a:rPr>
+              <a:t> nouvelle </a:t>
+            </a:r>
+            <a:r>
+              <a:rPr lang="en-US" dirty="0" err="1">
+                <a:ea typeface="+mn-lt"/>
+                <a:cs typeface="+mn-lt"/>
+              </a:rPr>
+              <a:t>partie</a:t>
+            </a:r>
+            <a:endParaRPr lang="en-US" dirty="0" err="1">
+              <a:ea typeface="Calibri"/>
+              <a:cs typeface="Calibri"/>
+            </a:endParaRPr>
           </a:p>
         </p:txBody>
       </p:sp>
@@ -10607,7 +11238,7 @@
         </p:nvSpPr>
         <p:spPr>
           <a:xfrm>
-            <a:off x="9970974" y="4133543"/>
+            <a:off x="9907474" y="4070043"/>
             <a:ext cx="1364294" cy="923330"/>
           </a:xfrm>
           <a:prstGeom prst="rect">
@@ -10626,13 +11257,27 @@
           <a:p>
             <a:pPr algn="ctr"/>
             <a:r>
+              <a:rPr lang="en-US" dirty="0" err="1">
+                <a:ea typeface="+mn-lt"/>
+                <a:cs typeface="+mn-lt"/>
+              </a:rPr>
+              <a:t>Vers</a:t>
+            </a:r>
+            <a:r>
               <a:rPr lang="en-US" dirty="0">
-                <a:ea typeface="Calibri"/>
-                <a:cs typeface="Calibri"/>
-              </a:rPr>
-              <a:t>To the settings page</a:t>
-            </a:r>
-            <a:endParaRPr lang="en-US"/>
+                <a:ea typeface="+mn-lt"/>
+                <a:cs typeface="+mn-lt"/>
+              </a:rPr>
+              <a:t> la page des </a:t>
+            </a:r>
+            <a:r>
+              <a:rPr lang="en-US" dirty="0" err="1">
+                <a:ea typeface="+mn-lt"/>
+                <a:cs typeface="+mn-lt"/>
+              </a:rPr>
+              <a:t>paramètres</a:t>
+            </a:r>
+            <a:endParaRPr lang="fr-FR" dirty="0" err="1"/>
           </a:p>
         </p:txBody>
       </p:sp>
@@ -10701,7 +11346,7 @@
         </p:nvSpPr>
         <p:spPr>
           <a:xfrm>
-            <a:off x="9137873" y="6065547"/>
+            <a:off x="8675230" y="6119976"/>
             <a:ext cx="2256826" cy="646331"/>
           </a:xfrm>
           <a:prstGeom prst="rect">
@@ -10720,27 +11365,34 @@
           <a:p>
             <a:pPr algn="ctr"/>
             <a:r>
+              <a:rPr lang="en-US" dirty="0" err="1">
+                <a:ea typeface="Calibri"/>
+                <a:cs typeface="Calibri"/>
+              </a:rPr>
+              <a:t>Activer</a:t>
+            </a:r>
+            <a:r>
               <a:rPr lang="en-US" dirty="0">
                 <a:ea typeface="Calibri"/>
                 <a:cs typeface="Calibri"/>
               </a:rPr>
-              <a:t>Mute/</a:t>
-            </a:r>
-            <a:endParaRPr lang="fr-FR" dirty="0">
-              <a:ea typeface="Calibri"/>
-              <a:cs typeface="Calibri"/>
-            </a:endParaRPr>
-          </a:p>
-          <a:p>
-            <a:pPr algn="ctr"/>
+              <a:t>/</a:t>
+            </a:r>
+            <a:r>
+              <a:rPr lang="en-US" dirty="0" err="1">
+                <a:ea typeface="Calibri"/>
+                <a:cs typeface="Calibri"/>
+              </a:rPr>
+              <a:t>Désactiver</a:t>
+            </a:r>
             <a:r>
               <a:rPr lang="en-US" dirty="0">
                 <a:ea typeface="Calibri"/>
                 <a:cs typeface="Calibri"/>
               </a:rPr>
-              <a:t>Turn on music</a:t>
-            </a:r>
-            <a:endParaRPr lang="en-US" dirty="0"/>
+              <a:t> le son</a:t>
+            </a:r>
+            <a:endParaRPr lang="fr-FR" dirty="0"/>
           </a:p>
         </p:txBody>
       </p:sp>
